--- a/Project/Source/Intelligent QA SYSTEM.pptx
+++ b/Project/Source/Intelligent QA SYSTEM.pptx
@@ -12,7 +12,11 @@
     <p:sldId id="260" r:id="rId6"/>
     <p:sldId id="261" r:id="rId7"/>
     <p:sldId id="262" r:id="rId8"/>
-    <p:sldId id="263" r:id="rId9"/>
+    <p:sldId id="264" r:id="rId9"/>
+    <p:sldId id="265" r:id="rId10"/>
+    <p:sldId id="263" r:id="rId11"/>
+    <p:sldId id="266" r:id="rId12"/>
+    <p:sldId id="267" r:id="rId13"/>
   </p:sldIdLst>
   <p:sldSz cx="12192000" cy="6858000"/>
   <p:notesSz cx="6858000" cy="9144000"/>
@@ -3660,6 +3664,1124 @@
 </p:sld>
 </file>
 
+<file path=ppt/slides/slide10.xml><?xml version="1.0" encoding="utf-8"?>
+<p:sld xmlns:a="http://schemas.openxmlformats.org/drawingml/2006/main" xmlns:r="http://schemas.openxmlformats.org/officeDocument/2006/relationships" xmlns:p="http://schemas.openxmlformats.org/presentationml/2006/main">
+  <p:cSld>
+    <p:spTree>
+      <p:nvGrpSpPr>
+        <p:cNvPr id="1" name=""/>
+        <p:cNvGrpSpPr/>
+        <p:nvPr/>
+      </p:nvGrpSpPr>
+      <p:grpSpPr>
+        <a:xfrm>
+          <a:off x="0" y="0"/>
+          <a:ext cx="0" cy="0"/>
+          <a:chOff x="0" y="0"/>
+          <a:chExt cx="0" cy="0"/>
+        </a:xfrm>
+      </p:grpSpPr>
+      <p:sp>
+        <p:nvSpPr>
+          <p:cNvPr id="2" name="Title 1">
+            <a:extLst>
+              <a:ext uri="{FF2B5EF4-FFF2-40B4-BE49-F238E27FC236}">
+                <a16:creationId xmlns:a16="http://schemas.microsoft.com/office/drawing/2014/main" id="{9A9A9E3D-92A7-4A6C-8BD9-20C97304BBE1}"/>
+              </a:ext>
+            </a:extLst>
+          </p:cNvPr>
+          <p:cNvSpPr>
+            <a:spLocks noGrp="1"/>
+          </p:cNvSpPr>
+          <p:nvPr>
+            <p:ph type="title"/>
+          </p:nvPr>
+        </p:nvSpPr>
+        <p:spPr/>
+        <p:txBody>
+          <a:bodyPr/>
+          <a:lstStyle/>
+          <a:p>
+            <a:r>
+              <a:rPr lang="en-US" dirty="0"/>
+              <a:t>Question 4,7</a:t>
+            </a:r>
+          </a:p>
+        </p:txBody>
+      </p:sp>
+      <p:sp>
+        <p:nvSpPr>
+          <p:cNvPr id="3" name="Content Placeholder 2">
+            <a:extLst>
+              <a:ext uri="{FF2B5EF4-FFF2-40B4-BE49-F238E27FC236}">
+                <a16:creationId xmlns:a16="http://schemas.microsoft.com/office/drawing/2014/main" id="{A26BD6CF-44E2-485D-8474-123043B7B73E}"/>
+              </a:ext>
+            </a:extLst>
+          </p:cNvPr>
+          <p:cNvSpPr>
+            <a:spLocks noGrp="1"/>
+          </p:cNvSpPr>
+          <p:nvPr>
+            <p:ph idx="1"/>
+          </p:nvPr>
+        </p:nvSpPr>
+        <p:spPr>
+          <a:xfrm>
+            <a:off x="1451579" y="2015732"/>
+            <a:ext cx="9603275" cy="3826268"/>
+          </a:xfrm>
+        </p:spPr>
+        <p:txBody>
+          <a:bodyPr/>
+          <a:lstStyle/>
+          <a:p>
+            <a:r>
+              <a:rPr lang="en-US" dirty="0"/>
+              <a:t>What are the trending topics in the Dataset?</a:t>
+            </a:r>
+          </a:p>
+          <a:p>
+            <a:r>
+              <a:rPr lang="en-US" dirty="0"/>
+              <a:t>What is the Synonym of the Word?</a:t>
+            </a:r>
+          </a:p>
+          <a:p>
+            <a:endParaRPr lang="en-US" dirty="0"/>
+          </a:p>
+          <a:p>
+            <a:pPr marL="0" indent="0">
+              <a:buNone/>
+            </a:pPr>
+            <a:r>
+              <a:rPr lang="en-US" dirty="0"/>
+              <a:t>                                              </a:t>
+            </a:r>
+          </a:p>
+        </p:txBody>
+      </p:sp>
+      <p:sp>
+        <p:nvSpPr>
+          <p:cNvPr id="5" name="Rectangle 4">
+            <a:extLst>
+              <a:ext uri="{FF2B5EF4-FFF2-40B4-BE49-F238E27FC236}">
+                <a16:creationId xmlns:a16="http://schemas.microsoft.com/office/drawing/2014/main" id="{FFCF9D32-50B8-4C67-A520-E530CADCE563}"/>
+              </a:ext>
+            </a:extLst>
+          </p:cNvPr>
+          <p:cNvSpPr/>
+          <p:nvPr/>
+        </p:nvSpPr>
+        <p:spPr>
+          <a:xfrm>
+            <a:off x="1767840" y="3414839"/>
+            <a:ext cx="914400" cy="914400"/>
+          </a:xfrm>
+          <a:prstGeom prst="rect">
+            <a:avLst/>
+          </a:prstGeom>
+        </p:spPr>
+        <p:style>
+          <a:lnRef idx="2">
+            <a:schemeClr val="accent1">
+              <a:shade val="50000"/>
+            </a:schemeClr>
+          </a:lnRef>
+          <a:fillRef idx="1">
+            <a:schemeClr val="accent1"/>
+          </a:fillRef>
+          <a:effectRef idx="0">
+            <a:schemeClr val="accent1"/>
+          </a:effectRef>
+          <a:fontRef idx="minor">
+            <a:schemeClr val="lt1"/>
+          </a:fontRef>
+        </p:style>
+        <p:txBody>
+          <a:bodyPr rtlCol="0" anchor="ctr"/>
+          <a:lstStyle/>
+          <a:p>
+            <a:pPr algn="ctr"/>
+            <a:r>
+              <a:rPr lang="en-US" dirty="0"/>
+              <a:t>Data</a:t>
+            </a:r>
+          </a:p>
+        </p:txBody>
+      </p:sp>
+      <p:sp>
+        <p:nvSpPr>
+          <p:cNvPr id="6" name="Rectangle 5">
+            <a:extLst>
+              <a:ext uri="{FF2B5EF4-FFF2-40B4-BE49-F238E27FC236}">
+                <a16:creationId xmlns:a16="http://schemas.microsoft.com/office/drawing/2014/main" id="{0FB3C9D8-CD36-4F76-A0C4-713BD7F661CB}"/>
+              </a:ext>
+            </a:extLst>
+          </p:cNvPr>
+          <p:cNvSpPr/>
+          <p:nvPr/>
+        </p:nvSpPr>
+        <p:spPr>
+          <a:xfrm>
+            <a:off x="3256694" y="3283838"/>
+            <a:ext cx="1428580" cy="1176402"/>
+          </a:xfrm>
+          <a:prstGeom prst="rect">
+            <a:avLst/>
+          </a:prstGeom>
+        </p:spPr>
+        <p:style>
+          <a:lnRef idx="2">
+            <a:schemeClr val="accent1">
+              <a:shade val="50000"/>
+            </a:schemeClr>
+          </a:lnRef>
+          <a:fillRef idx="1">
+            <a:schemeClr val="accent1"/>
+          </a:fillRef>
+          <a:effectRef idx="0">
+            <a:schemeClr val="accent1"/>
+          </a:effectRef>
+          <a:fontRef idx="minor">
+            <a:schemeClr val="lt1"/>
+          </a:fontRef>
+        </p:style>
+        <p:txBody>
+          <a:bodyPr rtlCol="0" anchor="ctr"/>
+          <a:lstStyle/>
+          <a:p>
+            <a:pPr algn="ctr"/>
+            <a:r>
+              <a:rPr lang="en-US" dirty="0"/>
+              <a:t>TFIDF</a:t>
+            </a:r>
+          </a:p>
+        </p:txBody>
+      </p:sp>
+      <p:sp>
+        <p:nvSpPr>
+          <p:cNvPr id="7" name="Rectangle 6">
+            <a:extLst>
+              <a:ext uri="{FF2B5EF4-FFF2-40B4-BE49-F238E27FC236}">
+                <a16:creationId xmlns:a16="http://schemas.microsoft.com/office/drawing/2014/main" id="{7196C344-F4DA-4E96-A253-C10DC16C9831}"/>
+              </a:ext>
+            </a:extLst>
+          </p:cNvPr>
+          <p:cNvSpPr/>
+          <p:nvPr/>
+        </p:nvSpPr>
+        <p:spPr>
+          <a:xfrm>
+            <a:off x="5538926" y="3283838"/>
+            <a:ext cx="1428580" cy="1176402"/>
+          </a:xfrm>
+          <a:prstGeom prst="rect">
+            <a:avLst/>
+          </a:prstGeom>
+        </p:spPr>
+        <p:style>
+          <a:lnRef idx="2">
+            <a:schemeClr val="accent1">
+              <a:shade val="50000"/>
+            </a:schemeClr>
+          </a:lnRef>
+          <a:fillRef idx="1">
+            <a:schemeClr val="accent1"/>
+          </a:fillRef>
+          <a:effectRef idx="0">
+            <a:schemeClr val="accent1"/>
+          </a:effectRef>
+          <a:fontRef idx="minor">
+            <a:schemeClr val="lt1"/>
+          </a:fontRef>
+        </p:style>
+        <p:txBody>
+          <a:bodyPr rtlCol="0" anchor="ctr"/>
+          <a:lstStyle/>
+          <a:p>
+            <a:pPr algn="ctr"/>
+            <a:r>
+              <a:rPr lang="en-US" dirty="0"/>
+              <a:t>Wordnet</a:t>
+            </a:r>
+          </a:p>
+        </p:txBody>
+      </p:sp>
+      <p:sp>
+        <p:nvSpPr>
+          <p:cNvPr id="8" name="Oval 7">
+            <a:extLst>
+              <a:ext uri="{FF2B5EF4-FFF2-40B4-BE49-F238E27FC236}">
+                <a16:creationId xmlns:a16="http://schemas.microsoft.com/office/drawing/2014/main" id="{E020702B-BDEB-4666-9433-0B9C95855BB4}"/>
+              </a:ext>
+            </a:extLst>
+          </p:cNvPr>
+          <p:cNvSpPr/>
+          <p:nvPr/>
+        </p:nvSpPr>
+        <p:spPr>
+          <a:xfrm flipH="1">
+            <a:off x="3483304" y="4810760"/>
+            <a:ext cx="975359" cy="1148080"/>
+          </a:xfrm>
+          <a:prstGeom prst="ellipse">
+            <a:avLst/>
+          </a:prstGeom>
+        </p:spPr>
+        <p:style>
+          <a:lnRef idx="2">
+            <a:schemeClr val="accent1">
+              <a:shade val="50000"/>
+            </a:schemeClr>
+          </a:lnRef>
+          <a:fillRef idx="1">
+            <a:schemeClr val="accent1"/>
+          </a:fillRef>
+          <a:effectRef idx="0">
+            <a:schemeClr val="accent1"/>
+          </a:effectRef>
+          <a:fontRef idx="minor">
+            <a:schemeClr val="lt1"/>
+          </a:fontRef>
+        </p:style>
+        <p:txBody>
+          <a:bodyPr rtlCol="0" anchor="ctr"/>
+          <a:lstStyle/>
+          <a:p>
+            <a:pPr algn="ctr"/>
+            <a:r>
+              <a:rPr lang="en-US" dirty="0"/>
+              <a:t>Trending words</a:t>
+            </a:r>
+          </a:p>
+        </p:txBody>
+      </p:sp>
+      <p:sp>
+        <p:nvSpPr>
+          <p:cNvPr id="9" name="Oval 8">
+            <a:extLst>
+              <a:ext uri="{FF2B5EF4-FFF2-40B4-BE49-F238E27FC236}">
+                <a16:creationId xmlns:a16="http://schemas.microsoft.com/office/drawing/2014/main" id="{8FBDC83D-35E5-4FA6-A701-A97EA04489C7}"/>
+              </a:ext>
+            </a:extLst>
+          </p:cNvPr>
+          <p:cNvSpPr/>
+          <p:nvPr/>
+        </p:nvSpPr>
+        <p:spPr>
+          <a:xfrm flipH="1">
+            <a:off x="5765536" y="4956187"/>
+            <a:ext cx="975359" cy="772159"/>
+          </a:xfrm>
+          <a:prstGeom prst="ellipse">
+            <a:avLst/>
+          </a:prstGeom>
+        </p:spPr>
+        <p:style>
+          <a:lnRef idx="2">
+            <a:schemeClr val="accent1">
+              <a:shade val="50000"/>
+            </a:schemeClr>
+          </a:lnRef>
+          <a:fillRef idx="1">
+            <a:schemeClr val="accent1"/>
+          </a:fillRef>
+          <a:effectRef idx="0">
+            <a:schemeClr val="accent1"/>
+          </a:effectRef>
+          <a:fontRef idx="minor">
+            <a:schemeClr val="lt1"/>
+          </a:fontRef>
+        </p:style>
+        <p:txBody>
+          <a:bodyPr rtlCol="0" anchor="ctr"/>
+          <a:lstStyle/>
+          <a:p>
+            <a:pPr algn="ctr"/>
+            <a:r>
+              <a:rPr lang="en-US" dirty="0"/>
+              <a:t>Synonyms</a:t>
+            </a:r>
+          </a:p>
+        </p:txBody>
+      </p:sp>
+      <p:cxnSp>
+        <p:nvCxnSpPr>
+          <p:cNvPr id="11" name="Straight Connector 10">
+            <a:extLst>
+              <a:ext uri="{FF2B5EF4-FFF2-40B4-BE49-F238E27FC236}">
+                <a16:creationId xmlns:a16="http://schemas.microsoft.com/office/drawing/2014/main" id="{E3797CDB-FCCF-4D3A-BEF3-F1727D266517}"/>
+              </a:ext>
+            </a:extLst>
+          </p:cNvPr>
+          <p:cNvCxnSpPr>
+            <a:stCxn id="5" idx="3"/>
+            <a:endCxn id="6" idx="1"/>
+          </p:cNvCxnSpPr>
+          <p:nvPr/>
+        </p:nvCxnSpPr>
+        <p:spPr>
+          <a:xfrm>
+            <a:off x="2682240" y="3872039"/>
+            <a:ext cx="574454" cy="0"/>
+          </a:xfrm>
+          <a:prstGeom prst="line">
+            <a:avLst/>
+          </a:prstGeom>
+        </p:spPr>
+        <p:style>
+          <a:lnRef idx="1">
+            <a:schemeClr val="dk1"/>
+          </a:lnRef>
+          <a:fillRef idx="0">
+            <a:schemeClr val="dk1"/>
+          </a:fillRef>
+          <a:effectRef idx="0">
+            <a:schemeClr val="dk1"/>
+          </a:effectRef>
+          <a:fontRef idx="minor">
+            <a:schemeClr val="tx1"/>
+          </a:fontRef>
+        </p:style>
+      </p:cxnSp>
+      <p:cxnSp>
+        <p:nvCxnSpPr>
+          <p:cNvPr id="13" name="Straight Connector 12">
+            <a:extLst>
+              <a:ext uri="{FF2B5EF4-FFF2-40B4-BE49-F238E27FC236}">
+                <a16:creationId xmlns:a16="http://schemas.microsoft.com/office/drawing/2014/main" id="{F8EE9C28-0549-4A61-976F-AC6ECA4CF1B8}"/>
+              </a:ext>
+            </a:extLst>
+          </p:cNvPr>
+          <p:cNvCxnSpPr>
+            <a:stCxn id="6" idx="3"/>
+            <a:endCxn id="7" idx="1"/>
+          </p:cNvCxnSpPr>
+          <p:nvPr/>
+        </p:nvCxnSpPr>
+        <p:spPr>
+          <a:xfrm>
+            <a:off x="4685274" y="3872039"/>
+            <a:ext cx="853652" cy="0"/>
+          </a:xfrm>
+          <a:prstGeom prst="line">
+            <a:avLst/>
+          </a:prstGeom>
+        </p:spPr>
+        <p:style>
+          <a:lnRef idx="1">
+            <a:schemeClr val="dk1"/>
+          </a:lnRef>
+          <a:fillRef idx="0">
+            <a:schemeClr val="dk1"/>
+          </a:fillRef>
+          <a:effectRef idx="0">
+            <a:schemeClr val="dk1"/>
+          </a:effectRef>
+          <a:fontRef idx="minor">
+            <a:schemeClr val="tx1"/>
+          </a:fontRef>
+        </p:style>
+      </p:cxnSp>
+      <p:cxnSp>
+        <p:nvCxnSpPr>
+          <p:cNvPr id="15" name="Straight Connector 14">
+            <a:extLst>
+              <a:ext uri="{FF2B5EF4-FFF2-40B4-BE49-F238E27FC236}">
+                <a16:creationId xmlns:a16="http://schemas.microsoft.com/office/drawing/2014/main" id="{13DCD996-EEE7-4076-ADDD-52A09A2122CA}"/>
+              </a:ext>
+            </a:extLst>
+          </p:cNvPr>
+          <p:cNvCxnSpPr>
+            <a:stCxn id="6" idx="2"/>
+            <a:endCxn id="8" idx="0"/>
+          </p:cNvCxnSpPr>
+          <p:nvPr/>
+        </p:nvCxnSpPr>
+        <p:spPr>
+          <a:xfrm flipH="1">
+            <a:off x="3970983" y="4460240"/>
+            <a:ext cx="1" cy="350520"/>
+          </a:xfrm>
+          <a:prstGeom prst="line">
+            <a:avLst/>
+          </a:prstGeom>
+        </p:spPr>
+        <p:style>
+          <a:lnRef idx="1">
+            <a:schemeClr val="dk1"/>
+          </a:lnRef>
+          <a:fillRef idx="0">
+            <a:schemeClr val="dk1"/>
+          </a:fillRef>
+          <a:effectRef idx="0">
+            <a:schemeClr val="dk1"/>
+          </a:effectRef>
+          <a:fontRef idx="minor">
+            <a:schemeClr val="tx1"/>
+          </a:fontRef>
+        </p:style>
+      </p:cxnSp>
+      <p:cxnSp>
+        <p:nvCxnSpPr>
+          <p:cNvPr id="18" name="Straight Connector 17">
+            <a:extLst>
+              <a:ext uri="{FF2B5EF4-FFF2-40B4-BE49-F238E27FC236}">
+                <a16:creationId xmlns:a16="http://schemas.microsoft.com/office/drawing/2014/main" id="{37362A4E-68CC-4E19-8CDB-71E3BA86EA5E}"/>
+              </a:ext>
+            </a:extLst>
+          </p:cNvPr>
+          <p:cNvCxnSpPr>
+            <a:stCxn id="7" idx="2"/>
+            <a:endCxn id="9" idx="0"/>
+          </p:cNvCxnSpPr>
+          <p:nvPr/>
+        </p:nvCxnSpPr>
+        <p:spPr>
+          <a:xfrm flipH="1">
+            <a:off x="6253215" y="4460240"/>
+            <a:ext cx="1" cy="495947"/>
+          </a:xfrm>
+          <a:prstGeom prst="line">
+            <a:avLst/>
+          </a:prstGeom>
+        </p:spPr>
+        <p:style>
+          <a:lnRef idx="1">
+            <a:schemeClr val="dk1"/>
+          </a:lnRef>
+          <a:fillRef idx="0">
+            <a:schemeClr val="dk1"/>
+          </a:fillRef>
+          <a:effectRef idx="0">
+            <a:schemeClr val="dk1"/>
+          </a:effectRef>
+          <a:fontRef idx="minor">
+            <a:schemeClr val="tx1"/>
+          </a:fontRef>
+        </p:style>
+      </p:cxnSp>
+    </p:spTree>
+    <p:extLst>
+      <p:ext uri="{BB962C8B-B14F-4D97-AF65-F5344CB8AC3E}">
+        <p14:creationId xmlns:p14="http://schemas.microsoft.com/office/powerpoint/2010/main" val="1212246072"/>
+      </p:ext>
+    </p:extLst>
+  </p:cSld>
+  <p:clrMapOvr>
+    <a:masterClrMapping/>
+  </p:clrMapOvr>
+</p:sld>
+</file>
+
+<file path=ppt/slides/slide11.xml><?xml version="1.0" encoding="utf-8"?>
+<p:sld xmlns:a="http://schemas.openxmlformats.org/drawingml/2006/main" xmlns:r="http://schemas.openxmlformats.org/officeDocument/2006/relationships" xmlns:p="http://schemas.openxmlformats.org/presentationml/2006/main">
+  <p:cSld>
+    <p:spTree>
+      <p:nvGrpSpPr>
+        <p:cNvPr id="1" name=""/>
+        <p:cNvGrpSpPr/>
+        <p:nvPr/>
+      </p:nvGrpSpPr>
+      <p:grpSpPr>
+        <a:xfrm>
+          <a:off x="0" y="0"/>
+          <a:ext cx="0" cy="0"/>
+          <a:chOff x="0" y="0"/>
+          <a:chExt cx="0" cy="0"/>
+        </a:xfrm>
+      </p:grpSpPr>
+      <p:sp>
+        <p:nvSpPr>
+          <p:cNvPr id="2" name="Title 1">
+            <a:extLst>
+              <a:ext uri="{FF2B5EF4-FFF2-40B4-BE49-F238E27FC236}">
+                <a16:creationId xmlns:a16="http://schemas.microsoft.com/office/drawing/2014/main" id="{35D26B2B-706F-4343-B679-93DDBAABA25B}"/>
+              </a:ext>
+            </a:extLst>
+          </p:cNvPr>
+          <p:cNvSpPr>
+            <a:spLocks noGrp="1"/>
+          </p:cNvSpPr>
+          <p:nvPr>
+            <p:ph type="title"/>
+          </p:nvPr>
+        </p:nvSpPr>
+        <p:spPr/>
+        <p:txBody>
+          <a:bodyPr/>
+          <a:lstStyle/>
+          <a:p>
+            <a:r>
+              <a:rPr lang="en-US" dirty="0"/>
+              <a:t>Question 3,5,8</a:t>
+            </a:r>
+          </a:p>
+        </p:txBody>
+      </p:sp>
+      <p:sp>
+        <p:nvSpPr>
+          <p:cNvPr id="3" name="Content Placeholder 2">
+            <a:extLst>
+              <a:ext uri="{FF2B5EF4-FFF2-40B4-BE49-F238E27FC236}">
+                <a16:creationId xmlns:a16="http://schemas.microsoft.com/office/drawing/2014/main" id="{1C916DA2-29AF-4D85-B14B-E80CE09D1317}"/>
+              </a:ext>
+            </a:extLst>
+          </p:cNvPr>
+          <p:cNvSpPr>
+            <a:spLocks noGrp="1"/>
+          </p:cNvSpPr>
+          <p:nvPr>
+            <p:ph idx="1"/>
+          </p:nvPr>
+        </p:nvSpPr>
+        <p:spPr/>
+        <p:txBody>
+          <a:bodyPr/>
+          <a:lstStyle/>
+          <a:p>
+            <a:r>
+              <a:rPr lang="en-US" dirty="0"/>
+              <a:t>Who is the President of United States?</a:t>
+            </a:r>
+          </a:p>
+          <a:p>
+            <a:r>
+              <a:rPr lang="en-US" dirty="0"/>
+              <a:t>When was Obama born?</a:t>
+            </a:r>
+          </a:p>
+          <a:p>
+            <a:endParaRPr lang="en-US" dirty="0"/>
+          </a:p>
+          <a:p>
+            <a:endParaRPr lang="en-US" dirty="0"/>
+          </a:p>
+          <a:p>
+            <a:endParaRPr lang="en-US" dirty="0"/>
+          </a:p>
+          <a:p>
+            <a:r>
+              <a:rPr lang="en-US" dirty="0"/>
+              <a:t>Tell me about Obama?</a:t>
+            </a:r>
+          </a:p>
+          <a:p>
+            <a:endParaRPr lang="en-US" dirty="0"/>
+          </a:p>
+          <a:p>
+            <a:endParaRPr lang="en-US" dirty="0"/>
+          </a:p>
+        </p:txBody>
+      </p:sp>
+      <p:sp>
+        <p:nvSpPr>
+          <p:cNvPr id="4" name="Rectangle 3">
+            <a:extLst>
+              <a:ext uri="{FF2B5EF4-FFF2-40B4-BE49-F238E27FC236}">
+                <a16:creationId xmlns:a16="http://schemas.microsoft.com/office/drawing/2014/main" id="{0E598A96-AD39-49AD-8A94-A39FE0281C41}"/>
+              </a:ext>
+            </a:extLst>
+          </p:cNvPr>
+          <p:cNvSpPr/>
+          <p:nvPr/>
+        </p:nvSpPr>
+        <p:spPr>
+          <a:xfrm>
+            <a:off x="1451579" y="3283838"/>
+            <a:ext cx="914400" cy="914400"/>
+          </a:xfrm>
+          <a:prstGeom prst="rect">
+            <a:avLst/>
+          </a:prstGeom>
+        </p:spPr>
+        <p:style>
+          <a:lnRef idx="2">
+            <a:schemeClr val="accent1">
+              <a:shade val="50000"/>
+            </a:schemeClr>
+          </a:lnRef>
+          <a:fillRef idx="1">
+            <a:schemeClr val="accent1"/>
+          </a:fillRef>
+          <a:effectRef idx="0">
+            <a:schemeClr val="accent1"/>
+          </a:effectRef>
+          <a:fontRef idx="minor">
+            <a:schemeClr val="lt1"/>
+          </a:fontRef>
+        </p:style>
+        <p:txBody>
+          <a:bodyPr rtlCol="0" anchor="ctr"/>
+          <a:lstStyle/>
+          <a:p>
+            <a:pPr algn="ctr"/>
+            <a:r>
+              <a:rPr lang="en-US" dirty="0"/>
+              <a:t>Question</a:t>
+            </a:r>
+          </a:p>
+        </p:txBody>
+      </p:sp>
+      <p:sp>
+        <p:nvSpPr>
+          <p:cNvPr id="5" name="Rectangle 4">
+            <a:extLst>
+              <a:ext uri="{FF2B5EF4-FFF2-40B4-BE49-F238E27FC236}">
+                <a16:creationId xmlns:a16="http://schemas.microsoft.com/office/drawing/2014/main" id="{F21D7D21-1FB1-49D9-867E-96B20B114DD9}"/>
+              </a:ext>
+            </a:extLst>
+          </p:cNvPr>
+          <p:cNvSpPr/>
+          <p:nvPr/>
+        </p:nvSpPr>
+        <p:spPr>
+          <a:xfrm>
+            <a:off x="4545686" y="3348799"/>
+            <a:ext cx="914400" cy="914400"/>
+          </a:xfrm>
+          <a:prstGeom prst="rect">
+            <a:avLst/>
+          </a:prstGeom>
+        </p:spPr>
+        <p:style>
+          <a:lnRef idx="2">
+            <a:schemeClr val="accent1">
+              <a:shade val="50000"/>
+            </a:schemeClr>
+          </a:lnRef>
+          <a:fillRef idx="1">
+            <a:schemeClr val="accent1"/>
+          </a:fillRef>
+          <a:effectRef idx="0">
+            <a:schemeClr val="accent1"/>
+          </a:effectRef>
+          <a:fontRef idx="minor">
+            <a:schemeClr val="lt1"/>
+          </a:fontRef>
+        </p:style>
+        <p:txBody>
+          <a:bodyPr rtlCol="0" anchor="ctr"/>
+          <a:lstStyle/>
+          <a:p>
+            <a:pPr algn="ctr"/>
+            <a:r>
+              <a:rPr lang="en-US" dirty="0"/>
+              <a:t>NLP operation</a:t>
+            </a:r>
+          </a:p>
+        </p:txBody>
+      </p:sp>
+      <p:sp>
+        <p:nvSpPr>
+          <p:cNvPr id="6" name="Rectangle 5">
+            <a:extLst>
+              <a:ext uri="{FF2B5EF4-FFF2-40B4-BE49-F238E27FC236}">
+                <a16:creationId xmlns:a16="http://schemas.microsoft.com/office/drawing/2014/main" id="{F6654727-AC10-4006-BA52-39D7A14D0A12}"/>
+              </a:ext>
+            </a:extLst>
+          </p:cNvPr>
+          <p:cNvSpPr/>
+          <p:nvPr/>
+        </p:nvSpPr>
+        <p:spPr>
+          <a:xfrm>
+            <a:off x="2844800" y="3283838"/>
+            <a:ext cx="1107440" cy="1044322"/>
+          </a:xfrm>
+          <a:prstGeom prst="rect">
+            <a:avLst/>
+          </a:prstGeom>
+        </p:spPr>
+        <p:style>
+          <a:lnRef idx="2">
+            <a:schemeClr val="accent1">
+              <a:shade val="50000"/>
+            </a:schemeClr>
+          </a:lnRef>
+          <a:fillRef idx="1">
+            <a:schemeClr val="accent1"/>
+          </a:fillRef>
+          <a:effectRef idx="0">
+            <a:schemeClr val="accent1"/>
+          </a:effectRef>
+          <a:fontRef idx="minor">
+            <a:schemeClr val="lt1"/>
+          </a:fontRef>
+        </p:style>
+        <p:txBody>
+          <a:bodyPr rtlCol="0" anchor="ctr"/>
+          <a:lstStyle/>
+          <a:p>
+            <a:pPr algn="ctr"/>
+            <a:r>
+              <a:rPr lang="en-US" dirty="0" err="1"/>
+              <a:t>Stopword</a:t>
+            </a:r>
+            <a:r>
+              <a:rPr lang="en-US" dirty="0"/>
+              <a:t> removal</a:t>
+            </a:r>
+          </a:p>
+        </p:txBody>
+      </p:sp>
+      <p:sp>
+        <p:nvSpPr>
+          <p:cNvPr id="7" name="Rectangle 6">
+            <a:extLst>
+              <a:ext uri="{FF2B5EF4-FFF2-40B4-BE49-F238E27FC236}">
+                <a16:creationId xmlns:a16="http://schemas.microsoft.com/office/drawing/2014/main" id="{B80448C6-28E3-4C54-B8F0-695B74C3F3E5}"/>
+              </a:ext>
+            </a:extLst>
+          </p:cNvPr>
+          <p:cNvSpPr/>
+          <p:nvPr/>
+        </p:nvSpPr>
+        <p:spPr>
+          <a:xfrm>
+            <a:off x="6068772" y="3283838"/>
+            <a:ext cx="1107440" cy="1109283"/>
+          </a:xfrm>
+          <a:prstGeom prst="rect">
+            <a:avLst/>
+          </a:prstGeom>
+        </p:spPr>
+        <p:style>
+          <a:lnRef idx="2">
+            <a:schemeClr val="accent1">
+              <a:shade val="50000"/>
+            </a:schemeClr>
+          </a:lnRef>
+          <a:fillRef idx="1">
+            <a:schemeClr val="accent1"/>
+          </a:fillRef>
+          <a:effectRef idx="0">
+            <a:schemeClr val="accent1"/>
+          </a:effectRef>
+          <a:fontRef idx="minor">
+            <a:schemeClr val="lt1"/>
+          </a:fontRef>
+        </p:style>
+        <p:txBody>
+          <a:bodyPr rtlCol="0" anchor="ctr"/>
+          <a:lstStyle/>
+          <a:p>
+            <a:pPr algn="ctr"/>
+            <a:r>
+              <a:rPr lang="en-US" dirty="0" err="1"/>
+              <a:t>Openie</a:t>
+            </a:r>
+            <a:r>
+              <a:rPr lang="en-US" dirty="0"/>
+              <a:t> to extract SPO</a:t>
+            </a:r>
+          </a:p>
+        </p:txBody>
+      </p:sp>
+      <p:sp>
+        <p:nvSpPr>
+          <p:cNvPr id="8" name="Rectangle 7">
+            <a:extLst>
+              <a:ext uri="{FF2B5EF4-FFF2-40B4-BE49-F238E27FC236}">
+                <a16:creationId xmlns:a16="http://schemas.microsoft.com/office/drawing/2014/main" id="{44F1D3A6-7998-48CA-9BAC-4C0ECC0A196B}"/>
+              </a:ext>
+            </a:extLst>
+          </p:cNvPr>
+          <p:cNvSpPr/>
+          <p:nvPr/>
+        </p:nvSpPr>
+        <p:spPr>
+          <a:xfrm>
+            <a:off x="7784898" y="3381279"/>
+            <a:ext cx="914400" cy="914400"/>
+          </a:xfrm>
+          <a:prstGeom prst="rect">
+            <a:avLst/>
+          </a:prstGeom>
+        </p:spPr>
+        <p:style>
+          <a:lnRef idx="2">
+            <a:schemeClr val="accent1">
+              <a:shade val="50000"/>
+            </a:schemeClr>
+          </a:lnRef>
+          <a:fillRef idx="1">
+            <a:schemeClr val="accent1"/>
+          </a:fillRef>
+          <a:effectRef idx="0">
+            <a:schemeClr val="accent1"/>
+          </a:effectRef>
+          <a:fontRef idx="minor">
+            <a:schemeClr val="lt1"/>
+          </a:fontRef>
+        </p:style>
+        <p:txBody>
+          <a:bodyPr rtlCol="0" anchor="ctr"/>
+          <a:lstStyle/>
+          <a:p>
+            <a:pPr algn="ctr"/>
+            <a:r>
+              <a:rPr lang="en-US" dirty="0"/>
+              <a:t>Answer</a:t>
+            </a:r>
+          </a:p>
+        </p:txBody>
+      </p:sp>
+      <p:cxnSp>
+        <p:nvCxnSpPr>
+          <p:cNvPr id="10" name="Straight Connector 9">
+            <a:extLst>
+              <a:ext uri="{FF2B5EF4-FFF2-40B4-BE49-F238E27FC236}">
+                <a16:creationId xmlns:a16="http://schemas.microsoft.com/office/drawing/2014/main" id="{4EDF677D-BE15-4BF6-B38B-1801D8A973CA}"/>
+              </a:ext>
+            </a:extLst>
+          </p:cNvPr>
+          <p:cNvCxnSpPr>
+            <a:stCxn id="4" idx="3"/>
+          </p:cNvCxnSpPr>
+          <p:nvPr/>
+        </p:nvCxnSpPr>
+        <p:spPr>
+          <a:xfrm>
+            <a:off x="2365979" y="3741038"/>
+            <a:ext cx="478821" cy="0"/>
+          </a:xfrm>
+          <a:prstGeom prst="line">
+            <a:avLst/>
+          </a:prstGeom>
+        </p:spPr>
+        <p:style>
+          <a:lnRef idx="1">
+            <a:schemeClr val="dk1"/>
+          </a:lnRef>
+          <a:fillRef idx="0">
+            <a:schemeClr val="dk1"/>
+          </a:fillRef>
+          <a:effectRef idx="0">
+            <a:schemeClr val="dk1"/>
+          </a:effectRef>
+          <a:fontRef idx="minor">
+            <a:schemeClr val="tx1"/>
+          </a:fontRef>
+        </p:style>
+      </p:cxnSp>
+      <p:cxnSp>
+        <p:nvCxnSpPr>
+          <p:cNvPr id="12" name="Straight Connector 11">
+            <a:extLst>
+              <a:ext uri="{FF2B5EF4-FFF2-40B4-BE49-F238E27FC236}">
+                <a16:creationId xmlns:a16="http://schemas.microsoft.com/office/drawing/2014/main" id="{768E4182-CF1A-4BE6-8307-5D70E43E51FC}"/>
+              </a:ext>
+            </a:extLst>
+          </p:cNvPr>
+          <p:cNvCxnSpPr>
+            <a:stCxn id="6" idx="3"/>
+            <a:endCxn id="5" idx="1"/>
+          </p:cNvCxnSpPr>
+          <p:nvPr/>
+        </p:nvCxnSpPr>
+        <p:spPr>
+          <a:xfrm>
+            <a:off x="3952240" y="3805999"/>
+            <a:ext cx="593446" cy="0"/>
+          </a:xfrm>
+          <a:prstGeom prst="line">
+            <a:avLst/>
+          </a:prstGeom>
+        </p:spPr>
+        <p:style>
+          <a:lnRef idx="1">
+            <a:schemeClr val="dk1"/>
+          </a:lnRef>
+          <a:fillRef idx="0">
+            <a:schemeClr val="dk1"/>
+          </a:fillRef>
+          <a:effectRef idx="0">
+            <a:schemeClr val="dk1"/>
+          </a:effectRef>
+          <a:fontRef idx="minor">
+            <a:schemeClr val="tx1"/>
+          </a:fontRef>
+        </p:style>
+      </p:cxnSp>
+      <p:cxnSp>
+        <p:nvCxnSpPr>
+          <p:cNvPr id="14" name="Straight Connector 13">
+            <a:extLst>
+              <a:ext uri="{FF2B5EF4-FFF2-40B4-BE49-F238E27FC236}">
+                <a16:creationId xmlns:a16="http://schemas.microsoft.com/office/drawing/2014/main" id="{4135E39D-33C4-4300-9C24-CF62406A6793}"/>
+              </a:ext>
+            </a:extLst>
+          </p:cNvPr>
+          <p:cNvCxnSpPr>
+            <a:cxnSpLocks/>
+            <a:stCxn id="5" idx="3"/>
+            <a:endCxn id="7" idx="1"/>
+          </p:cNvCxnSpPr>
+          <p:nvPr/>
+        </p:nvCxnSpPr>
+        <p:spPr>
+          <a:xfrm>
+            <a:off x="5460086" y="3805999"/>
+            <a:ext cx="608686" cy="32481"/>
+          </a:xfrm>
+          <a:prstGeom prst="line">
+            <a:avLst/>
+          </a:prstGeom>
+        </p:spPr>
+        <p:style>
+          <a:lnRef idx="1">
+            <a:schemeClr val="dk1"/>
+          </a:lnRef>
+          <a:fillRef idx="0">
+            <a:schemeClr val="dk1"/>
+          </a:fillRef>
+          <a:effectRef idx="0">
+            <a:schemeClr val="dk1"/>
+          </a:effectRef>
+          <a:fontRef idx="minor">
+            <a:schemeClr val="tx1"/>
+          </a:fontRef>
+        </p:style>
+      </p:cxnSp>
+      <p:cxnSp>
+        <p:nvCxnSpPr>
+          <p:cNvPr id="17" name="Straight Connector 16">
+            <a:extLst>
+              <a:ext uri="{FF2B5EF4-FFF2-40B4-BE49-F238E27FC236}">
+                <a16:creationId xmlns:a16="http://schemas.microsoft.com/office/drawing/2014/main" id="{52397AFB-B6B9-458A-93F9-0B4DE7B27528}"/>
+              </a:ext>
+            </a:extLst>
+          </p:cNvPr>
+          <p:cNvCxnSpPr>
+            <a:stCxn id="7" idx="3"/>
+            <a:endCxn id="8" idx="1"/>
+          </p:cNvCxnSpPr>
+          <p:nvPr/>
+        </p:nvCxnSpPr>
+        <p:spPr>
+          <a:xfrm flipV="1">
+            <a:off x="7176212" y="3838479"/>
+            <a:ext cx="608686" cy="1"/>
+          </a:xfrm>
+          <a:prstGeom prst="line">
+            <a:avLst/>
+          </a:prstGeom>
+        </p:spPr>
+        <p:style>
+          <a:lnRef idx="1">
+            <a:schemeClr val="dk1"/>
+          </a:lnRef>
+          <a:fillRef idx="0">
+            <a:schemeClr val="dk1"/>
+          </a:fillRef>
+          <a:effectRef idx="0">
+            <a:schemeClr val="dk1"/>
+          </a:effectRef>
+          <a:fontRef idx="minor">
+            <a:schemeClr val="tx1"/>
+          </a:fontRef>
+        </p:style>
+      </p:cxnSp>
+    </p:spTree>
+    <p:extLst>
+      <p:ext uri="{BB962C8B-B14F-4D97-AF65-F5344CB8AC3E}">
+        <p14:creationId xmlns:p14="http://schemas.microsoft.com/office/powerpoint/2010/main" val="997828828"/>
+      </p:ext>
+    </p:extLst>
+  </p:cSld>
+  <p:clrMapOvr>
+    <a:masterClrMapping/>
+  </p:clrMapOvr>
+</p:sld>
+</file>
+
+<file path=ppt/slides/slide12.xml><?xml version="1.0" encoding="utf-8"?>
+<p:sld xmlns:a="http://schemas.openxmlformats.org/drawingml/2006/main" xmlns:r="http://schemas.openxmlformats.org/officeDocument/2006/relationships" xmlns:p="http://schemas.openxmlformats.org/presentationml/2006/main">
+  <p:cSld>
+    <p:spTree>
+      <p:nvGrpSpPr>
+        <p:cNvPr id="1" name=""/>
+        <p:cNvGrpSpPr/>
+        <p:nvPr/>
+      </p:nvGrpSpPr>
+      <p:grpSpPr>
+        <a:xfrm>
+          <a:off x="0" y="0"/>
+          <a:ext cx="0" cy="0"/>
+          <a:chOff x="0" y="0"/>
+          <a:chExt cx="0" cy="0"/>
+        </a:xfrm>
+      </p:grpSpPr>
+      <p:sp>
+        <p:nvSpPr>
+          <p:cNvPr id="2" name="Title 1">
+            <a:extLst>
+              <a:ext uri="{FF2B5EF4-FFF2-40B4-BE49-F238E27FC236}">
+                <a16:creationId xmlns:a16="http://schemas.microsoft.com/office/drawing/2014/main" id="{DA47764D-323C-421D-8CE7-CD78D52B9744}"/>
+              </a:ext>
+            </a:extLst>
+          </p:cNvPr>
+          <p:cNvSpPr>
+            <a:spLocks noGrp="1"/>
+          </p:cNvSpPr>
+          <p:nvPr>
+            <p:ph type="title"/>
+          </p:nvPr>
+        </p:nvSpPr>
+        <p:spPr/>
+        <p:txBody>
+          <a:bodyPr/>
+          <a:lstStyle/>
+          <a:p>
+            <a:r>
+              <a:rPr lang="en-US" dirty="0"/>
+              <a:t>Video</a:t>
+            </a:r>
+          </a:p>
+        </p:txBody>
+      </p:sp>
+      <p:sp>
+        <p:nvSpPr>
+          <p:cNvPr id="3" name="Content Placeholder 2">
+            <a:extLst>
+              <a:ext uri="{FF2B5EF4-FFF2-40B4-BE49-F238E27FC236}">
+                <a16:creationId xmlns:a16="http://schemas.microsoft.com/office/drawing/2014/main" id="{93F43246-1D34-4AF1-A040-26F36D331D0A}"/>
+              </a:ext>
+            </a:extLst>
+          </p:cNvPr>
+          <p:cNvSpPr>
+            <a:spLocks noGrp="1"/>
+          </p:cNvSpPr>
+          <p:nvPr>
+            <p:ph idx="1"/>
+          </p:nvPr>
+        </p:nvSpPr>
+        <p:spPr/>
+        <p:txBody>
+          <a:bodyPr/>
+          <a:lstStyle/>
+          <a:p>
+            <a:r>
+              <a:rPr lang="en-US" dirty="0"/>
+              <a:t>https://www.youtube.com/watch?v=_0WqclRRJDA&amp;feature=youtu.be</a:t>
+            </a:r>
+          </a:p>
+        </p:txBody>
+      </p:sp>
+    </p:spTree>
+    <p:extLst>
+      <p:ext uri="{BB962C8B-B14F-4D97-AF65-F5344CB8AC3E}">
+        <p14:creationId xmlns:p14="http://schemas.microsoft.com/office/powerpoint/2010/main" val="1966511523"/>
+      </p:ext>
+    </p:extLst>
+  </p:cSld>
+  <p:clrMapOvr>
+    <a:masterClrMapping/>
+  </p:clrMapOvr>
+</p:sld>
+</file>
+
 <file path=ppt/slides/slide2.xml><?xml version="1.0" encoding="utf-8"?>
 <p:sld xmlns:a="http://schemas.openxmlformats.org/drawingml/2006/main" xmlns:r="http://schemas.openxmlformats.org/officeDocument/2006/relationships" xmlns:p="http://schemas.openxmlformats.org/presentationml/2006/main">
   <p:cSld>
@@ -4308,7 +5430,7 @@
           <p:cNvPr id="2" name="Title 1">
             <a:extLst>
               <a:ext uri="{FF2B5EF4-FFF2-40B4-BE49-F238E27FC236}">
-                <a16:creationId xmlns:a16="http://schemas.microsoft.com/office/drawing/2014/main" id="{9A9A9E3D-92A7-4A6C-8BD9-20C97304BBE1}"/>
+                <a16:creationId xmlns:a16="http://schemas.microsoft.com/office/drawing/2014/main" id="{BF23A970-E33E-46D3-A01C-684318D8A1A9}"/>
               </a:ext>
             </a:extLst>
           </p:cNvPr>
@@ -4325,8 +5447,8 @@
           <a:lstStyle/>
           <a:p>
             <a:r>
-              <a:rPr lang="en-US"/>
-              <a:t>Video</a:t>
+              <a:rPr lang="en-US" dirty="0"/>
+              <a:t>Question-1&amp;2</a:t>
             </a:r>
           </a:p>
         </p:txBody>
@@ -4336,7 +5458,7 @@
           <p:cNvPr id="3" name="Content Placeholder 2">
             <a:extLst>
               <a:ext uri="{FF2B5EF4-FFF2-40B4-BE49-F238E27FC236}">
-                <a16:creationId xmlns:a16="http://schemas.microsoft.com/office/drawing/2014/main" id="{A26BD6CF-44E2-485D-8474-123043B7B73E}"/>
+                <a16:creationId xmlns:a16="http://schemas.microsoft.com/office/drawing/2014/main" id="{6F17780A-9BC6-4E6D-A241-2701648EE2A4}"/>
               </a:ext>
             </a:extLst>
           </p:cNvPr>
@@ -4347,19 +5469,1029 @@
             <p:ph idx="1"/>
           </p:nvPr>
         </p:nvSpPr>
-        <p:spPr/>
+        <p:spPr>
+          <a:solidFill>
+            <a:schemeClr val="bg2">
+              <a:lumMod val="75000"/>
+            </a:schemeClr>
+          </a:solidFill>
+        </p:spPr>
+        <p:style>
+          <a:lnRef idx="2">
+            <a:schemeClr val="accent1">
+              <a:shade val="50000"/>
+            </a:schemeClr>
+          </a:lnRef>
+          <a:fillRef idx="1">
+            <a:schemeClr val="accent1"/>
+          </a:fillRef>
+          <a:effectRef idx="0">
+            <a:schemeClr val="accent1"/>
+          </a:effectRef>
+          <a:fontRef idx="minor">
+            <a:schemeClr val="lt1"/>
+          </a:fontRef>
+        </p:style>
         <p:txBody>
           <a:bodyPr/>
           <a:lstStyle/>
           <a:p>
-            <a:endParaRPr lang="en-US"/>
-          </a:p>
-        </p:txBody>
-      </p:sp>
+            <a:r>
+              <a:rPr lang="en-US" dirty="0">
+                <a:ln w="0"/>
+                <a:solidFill>
+                  <a:schemeClr val="tx1"/>
+                </a:solidFill>
+                <a:effectLst>
+                  <a:outerShdw blurRad="38100" dist="19050" dir="2700000" algn="tl" rotWithShape="0">
+                    <a:schemeClr val="dk1">
+                      <a:alpha val="40000"/>
+                    </a:schemeClr>
+                  </a:outerShdw>
+                </a:effectLst>
+              </a:rPr>
+              <a:t>When did this Incident take place?</a:t>
+            </a:r>
+          </a:p>
+          <a:p>
+            <a:r>
+              <a:rPr lang="en-US" dirty="0">
+                <a:ln w="0"/>
+                <a:solidFill>
+                  <a:schemeClr val="tx1"/>
+                </a:solidFill>
+                <a:effectLst>
+                  <a:outerShdw blurRad="38100" dist="19050" dir="2700000" algn="tl" rotWithShape="0">
+                    <a:schemeClr val="dk1">
+                      <a:alpha val="40000"/>
+                    </a:schemeClr>
+                  </a:outerShdw>
+                </a:effectLst>
+              </a:rPr>
+              <a:t>Who are the main characters in the dataset?</a:t>
+            </a:r>
+          </a:p>
+          <a:p>
+            <a:endParaRPr lang="en-US" dirty="0"/>
+          </a:p>
+          <a:p>
+            <a:r>
+              <a:rPr lang="en-US" dirty="0" err="1"/>
+              <a:t>dds</a:t>
+            </a:r>
+            <a:r>
+              <a:rPr lang="en-US" dirty="0" err="1">
+                <a:ln w="0"/>
+                <a:effectLst>
+                  <a:outerShdw blurRad="38100" dist="19050" dir="2700000" algn="tl" rotWithShape="0">
+                    <a:schemeClr val="dk1">
+                      <a:alpha val="40000"/>
+                    </a:schemeClr>
+                  </a:outerShdw>
+                </a:effectLst>
+              </a:rPr>
+              <a:t>s</a:t>
+            </a:r>
+            <a:endParaRPr lang="en-US" dirty="0"/>
+          </a:p>
+        </p:txBody>
+      </p:sp>
+      <p:sp>
+        <p:nvSpPr>
+          <p:cNvPr id="4" name="Rectangle 3">
+            <a:extLst>
+              <a:ext uri="{FF2B5EF4-FFF2-40B4-BE49-F238E27FC236}">
+                <a16:creationId xmlns:a16="http://schemas.microsoft.com/office/drawing/2014/main" id="{6330710F-B972-483A-BE7E-1495B416E974}"/>
+              </a:ext>
+            </a:extLst>
+          </p:cNvPr>
+          <p:cNvSpPr/>
+          <p:nvPr/>
+        </p:nvSpPr>
+        <p:spPr>
+          <a:xfrm>
+            <a:off x="1639740" y="3283838"/>
+            <a:ext cx="914400" cy="914400"/>
+          </a:xfrm>
+          <a:prstGeom prst="rect">
+            <a:avLst/>
+          </a:prstGeom>
+        </p:spPr>
+        <p:style>
+          <a:lnRef idx="2">
+            <a:schemeClr val="accent1">
+              <a:shade val="50000"/>
+            </a:schemeClr>
+          </a:lnRef>
+          <a:fillRef idx="1">
+            <a:schemeClr val="accent1"/>
+          </a:fillRef>
+          <a:effectRef idx="0">
+            <a:schemeClr val="accent1"/>
+          </a:effectRef>
+          <a:fontRef idx="minor">
+            <a:schemeClr val="lt1"/>
+          </a:fontRef>
+        </p:style>
+        <p:txBody>
+          <a:bodyPr rtlCol="0" anchor="ctr"/>
+          <a:lstStyle/>
+          <a:p>
+            <a:pPr algn="ctr"/>
+            <a:r>
+              <a:rPr lang="en-US" dirty="0"/>
+              <a:t>Dataset</a:t>
+            </a:r>
+          </a:p>
+        </p:txBody>
+      </p:sp>
+      <p:sp>
+        <p:nvSpPr>
+          <p:cNvPr id="5" name="Rectangle 4">
+            <a:extLst>
+              <a:ext uri="{FF2B5EF4-FFF2-40B4-BE49-F238E27FC236}">
+                <a16:creationId xmlns:a16="http://schemas.microsoft.com/office/drawing/2014/main" id="{FBF73C94-3409-4E70-933F-B5C4AF052734}"/>
+              </a:ext>
+            </a:extLst>
+          </p:cNvPr>
+          <p:cNvSpPr/>
+          <p:nvPr/>
+        </p:nvSpPr>
+        <p:spPr>
+          <a:xfrm>
+            <a:off x="3243867" y="3283838"/>
+            <a:ext cx="914400" cy="914400"/>
+          </a:xfrm>
+          <a:prstGeom prst="rect">
+            <a:avLst/>
+          </a:prstGeom>
+        </p:spPr>
+        <p:style>
+          <a:lnRef idx="2">
+            <a:schemeClr val="accent1">
+              <a:shade val="50000"/>
+            </a:schemeClr>
+          </a:lnRef>
+          <a:fillRef idx="1">
+            <a:schemeClr val="accent1"/>
+          </a:fillRef>
+          <a:effectRef idx="0">
+            <a:schemeClr val="accent1"/>
+          </a:effectRef>
+          <a:fontRef idx="minor">
+            <a:schemeClr val="lt1"/>
+          </a:fontRef>
+        </p:style>
+        <p:txBody>
+          <a:bodyPr rtlCol="0" anchor="ctr"/>
+          <a:lstStyle/>
+          <a:p>
+            <a:pPr algn="ctr"/>
+            <a:r>
+              <a:rPr lang="en-US" dirty="0"/>
+              <a:t>NLP</a:t>
+            </a:r>
+          </a:p>
+        </p:txBody>
+      </p:sp>
+      <p:sp>
+        <p:nvSpPr>
+          <p:cNvPr id="6" name="Oval 5">
+            <a:extLst>
+              <a:ext uri="{FF2B5EF4-FFF2-40B4-BE49-F238E27FC236}">
+                <a16:creationId xmlns:a16="http://schemas.microsoft.com/office/drawing/2014/main" id="{E7138EB4-5441-4A6A-904F-E2136B174834}"/>
+              </a:ext>
+            </a:extLst>
+          </p:cNvPr>
+          <p:cNvSpPr/>
+          <p:nvPr/>
+        </p:nvSpPr>
+        <p:spPr>
+          <a:xfrm>
+            <a:off x="5396791" y="3044858"/>
+            <a:ext cx="1201971" cy="814015"/>
+          </a:xfrm>
+          <a:prstGeom prst="ellipse">
+            <a:avLst/>
+          </a:prstGeom>
+        </p:spPr>
+        <p:style>
+          <a:lnRef idx="2">
+            <a:schemeClr val="accent1">
+              <a:shade val="50000"/>
+            </a:schemeClr>
+          </a:lnRef>
+          <a:fillRef idx="1">
+            <a:schemeClr val="accent1"/>
+          </a:fillRef>
+          <a:effectRef idx="0">
+            <a:schemeClr val="accent1"/>
+          </a:effectRef>
+          <a:fontRef idx="minor">
+            <a:schemeClr val="lt1"/>
+          </a:fontRef>
+        </p:style>
+        <p:txBody>
+          <a:bodyPr rtlCol="0" anchor="ctr"/>
+          <a:lstStyle/>
+          <a:p>
+            <a:pPr algn="ctr"/>
+            <a:r>
+              <a:rPr lang="en-US" dirty="0"/>
+              <a:t>NER</a:t>
+            </a:r>
+          </a:p>
+        </p:txBody>
+      </p:sp>
+      <p:sp>
+        <p:nvSpPr>
+          <p:cNvPr id="7" name="Oval 6">
+            <a:extLst>
+              <a:ext uri="{FF2B5EF4-FFF2-40B4-BE49-F238E27FC236}">
+                <a16:creationId xmlns:a16="http://schemas.microsoft.com/office/drawing/2014/main" id="{45134E61-2760-46E4-8383-BA4F19F08E8E}"/>
+              </a:ext>
+            </a:extLst>
+          </p:cNvPr>
+          <p:cNvSpPr/>
+          <p:nvPr/>
+        </p:nvSpPr>
+        <p:spPr>
+          <a:xfrm>
+            <a:off x="5396791" y="4198238"/>
+            <a:ext cx="1201971" cy="814015"/>
+          </a:xfrm>
+          <a:prstGeom prst="ellipse">
+            <a:avLst/>
+          </a:prstGeom>
+        </p:spPr>
+        <p:style>
+          <a:lnRef idx="2">
+            <a:schemeClr val="accent1">
+              <a:shade val="50000"/>
+            </a:schemeClr>
+          </a:lnRef>
+          <a:fillRef idx="1">
+            <a:schemeClr val="accent1"/>
+          </a:fillRef>
+          <a:effectRef idx="0">
+            <a:schemeClr val="accent1"/>
+          </a:effectRef>
+          <a:fontRef idx="minor">
+            <a:schemeClr val="lt1"/>
+          </a:fontRef>
+        </p:style>
+        <p:txBody>
+          <a:bodyPr rtlCol="0" anchor="ctr"/>
+          <a:lstStyle/>
+          <a:p>
+            <a:pPr algn="ctr"/>
+            <a:r>
+              <a:rPr lang="en-US" dirty="0"/>
+              <a:t>POS</a:t>
+            </a:r>
+          </a:p>
+        </p:txBody>
+      </p:sp>
+      <p:cxnSp>
+        <p:nvCxnSpPr>
+          <p:cNvPr id="9" name="Straight Connector 8">
+            <a:extLst>
+              <a:ext uri="{FF2B5EF4-FFF2-40B4-BE49-F238E27FC236}">
+                <a16:creationId xmlns:a16="http://schemas.microsoft.com/office/drawing/2014/main" id="{486FB25C-1945-451C-B4B2-4757046FF868}"/>
+              </a:ext>
+            </a:extLst>
+          </p:cNvPr>
+          <p:cNvCxnSpPr>
+            <a:cxnSpLocks/>
+          </p:cNvCxnSpPr>
+          <p:nvPr/>
+        </p:nvCxnSpPr>
+        <p:spPr>
+          <a:xfrm flipV="1">
+            <a:off x="5476973" y="3283838"/>
+            <a:ext cx="160256" cy="81531"/>
+          </a:xfrm>
+          <a:prstGeom prst="line">
+            <a:avLst/>
+          </a:prstGeom>
+        </p:spPr>
+        <p:style>
+          <a:lnRef idx="1">
+            <a:schemeClr val="accent1"/>
+          </a:lnRef>
+          <a:fillRef idx="0">
+            <a:schemeClr val="accent1"/>
+          </a:fillRef>
+          <a:effectRef idx="0">
+            <a:schemeClr val="accent1"/>
+          </a:effectRef>
+          <a:fontRef idx="minor">
+            <a:schemeClr val="tx1"/>
+          </a:fontRef>
+        </p:style>
+      </p:cxnSp>
+      <p:cxnSp>
+        <p:nvCxnSpPr>
+          <p:cNvPr id="12" name="Straight Connector 11">
+            <a:extLst>
+              <a:ext uri="{FF2B5EF4-FFF2-40B4-BE49-F238E27FC236}">
+                <a16:creationId xmlns:a16="http://schemas.microsoft.com/office/drawing/2014/main" id="{783EFA20-CB63-441D-8A31-614BB8EA5F84}"/>
+              </a:ext>
+            </a:extLst>
+          </p:cNvPr>
+          <p:cNvCxnSpPr>
+            <a:cxnSpLocks/>
+          </p:cNvCxnSpPr>
+          <p:nvPr/>
+        </p:nvCxnSpPr>
+        <p:spPr>
+          <a:xfrm>
+            <a:off x="4158267" y="3451865"/>
+            <a:ext cx="1238524" cy="152484"/>
+          </a:xfrm>
+          <a:prstGeom prst="line">
+            <a:avLst/>
+          </a:prstGeom>
+        </p:spPr>
+        <p:style>
+          <a:lnRef idx="1">
+            <a:schemeClr val="dk1"/>
+          </a:lnRef>
+          <a:fillRef idx="0">
+            <a:schemeClr val="dk1"/>
+          </a:fillRef>
+          <a:effectRef idx="0">
+            <a:schemeClr val="dk1"/>
+          </a:effectRef>
+          <a:fontRef idx="minor">
+            <a:schemeClr val="tx1"/>
+          </a:fontRef>
+        </p:style>
+      </p:cxnSp>
+      <p:cxnSp>
+        <p:nvCxnSpPr>
+          <p:cNvPr id="15" name="Straight Connector 14">
+            <a:extLst>
+              <a:ext uri="{FF2B5EF4-FFF2-40B4-BE49-F238E27FC236}">
+                <a16:creationId xmlns:a16="http://schemas.microsoft.com/office/drawing/2014/main" id="{003B3FB5-BB96-4575-9E40-F81DAD8E7EBD}"/>
+              </a:ext>
+            </a:extLst>
+          </p:cNvPr>
+          <p:cNvCxnSpPr>
+            <a:cxnSpLocks/>
+          </p:cNvCxnSpPr>
+          <p:nvPr/>
+        </p:nvCxnSpPr>
+        <p:spPr>
+          <a:xfrm>
+            <a:off x="4158267" y="3959258"/>
+            <a:ext cx="1318706" cy="400958"/>
+          </a:xfrm>
+          <a:prstGeom prst="line">
+            <a:avLst/>
+          </a:prstGeom>
+        </p:spPr>
+        <p:style>
+          <a:lnRef idx="1">
+            <a:schemeClr val="dk1"/>
+          </a:lnRef>
+          <a:fillRef idx="0">
+            <a:schemeClr val="dk1"/>
+          </a:fillRef>
+          <a:effectRef idx="0">
+            <a:schemeClr val="dk1"/>
+          </a:effectRef>
+          <a:fontRef idx="minor">
+            <a:schemeClr val="tx1"/>
+          </a:fontRef>
+        </p:style>
+      </p:cxnSp>
+      <p:cxnSp>
+        <p:nvCxnSpPr>
+          <p:cNvPr id="18" name="Straight Connector 17">
+            <a:extLst>
+              <a:ext uri="{FF2B5EF4-FFF2-40B4-BE49-F238E27FC236}">
+                <a16:creationId xmlns:a16="http://schemas.microsoft.com/office/drawing/2014/main" id="{165562F9-EE1D-4042-A251-62C30B424FD5}"/>
+              </a:ext>
+            </a:extLst>
+          </p:cNvPr>
+          <p:cNvCxnSpPr>
+            <a:cxnSpLocks/>
+            <a:endCxn id="5" idx="1"/>
+          </p:cNvCxnSpPr>
+          <p:nvPr/>
+        </p:nvCxnSpPr>
+        <p:spPr>
+          <a:xfrm flipV="1">
+            <a:off x="2403835" y="3741038"/>
+            <a:ext cx="840032" cy="2"/>
+          </a:xfrm>
+          <a:prstGeom prst="line">
+            <a:avLst/>
+          </a:prstGeom>
+        </p:spPr>
+        <p:style>
+          <a:lnRef idx="1">
+            <a:schemeClr val="dk1"/>
+          </a:lnRef>
+          <a:fillRef idx="0">
+            <a:schemeClr val="dk1"/>
+          </a:fillRef>
+          <a:effectRef idx="0">
+            <a:schemeClr val="dk1"/>
+          </a:effectRef>
+          <a:fontRef idx="minor">
+            <a:schemeClr val="tx1"/>
+          </a:fontRef>
+        </p:style>
+      </p:cxnSp>
+      <p:sp>
+        <p:nvSpPr>
+          <p:cNvPr id="20" name="Rectangle: Rounded Corners 19">
+            <a:extLst>
+              <a:ext uri="{FF2B5EF4-FFF2-40B4-BE49-F238E27FC236}">
+                <a16:creationId xmlns:a16="http://schemas.microsoft.com/office/drawing/2014/main" id="{A854BC3E-E4CE-4AA1-BF7B-E6A35B37C75C}"/>
+              </a:ext>
+            </a:extLst>
+          </p:cNvPr>
+          <p:cNvSpPr/>
+          <p:nvPr/>
+        </p:nvSpPr>
+        <p:spPr>
+          <a:xfrm>
+            <a:off x="7390614" y="3283838"/>
+            <a:ext cx="2300141" cy="1321407"/>
+          </a:xfrm>
+          <a:prstGeom prst="roundRect">
+            <a:avLst/>
+          </a:prstGeom>
+        </p:spPr>
+        <p:style>
+          <a:lnRef idx="2">
+            <a:schemeClr val="accent1">
+              <a:shade val="50000"/>
+            </a:schemeClr>
+          </a:lnRef>
+          <a:fillRef idx="1">
+            <a:schemeClr val="accent1"/>
+          </a:fillRef>
+          <a:effectRef idx="0">
+            <a:schemeClr val="accent1"/>
+          </a:effectRef>
+          <a:fontRef idx="minor">
+            <a:schemeClr val="lt1"/>
+          </a:fontRef>
+        </p:style>
+        <p:txBody>
+          <a:bodyPr rtlCol="0" anchor="ctr"/>
+          <a:lstStyle/>
+          <a:p>
+            <a:pPr algn="ctr"/>
+            <a:r>
+              <a:rPr lang="en-US" dirty="0"/>
+              <a:t>Answer</a:t>
+            </a:r>
+          </a:p>
+        </p:txBody>
+      </p:sp>
+      <p:cxnSp>
+        <p:nvCxnSpPr>
+          <p:cNvPr id="22" name="Straight Connector 21">
+            <a:extLst>
+              <a:ext uri="{FF2B5EF4-FFF2-40B4-BE49-F238E27FC236}">
+                <a16:creationId xmlns:a16="http://schemas.microsoft.com/office/drawing/2014/main" id="{F4C86945-0240-45FF-AF37-04B9E9410120}"/>
+              </a:ext>
+            </a:extLst>
+          </p:cNvPr>
+          <p:cNvCxnSpPr/>
+          <p:nvPr/>
+        </p:nvCxnSpPr>
+        <p:spPr>
+          <a:xfrm>
+            <a:off x="6429080" y="3365369"/>
+            <a:ext cx="0" cy="0"/>
+          </a:xfrm>
+          <a:prstGeom prst="line">
+            <a:avLst/>
+          </a:prstGeom>
+        </p:spPr>
+        <p:style>
+          <a:lnRef idx="1">
+            <a:schemeClr val="accent1"/>
+          </a:lnRef>
+          <a:fillRef idx="0">
+            <a:schemeClr val="accent1"/>
+          </a:fillRef>
+          <a:effectRef idx="0">
+            <a:schemeClr val="accent1"/>
+          </a:effectRef>
+          <a:fontRef idx="minor">
+            <a:schemeClr val="tx1"/>
+          </a:fontRef>
+        </p:style>
+      </p:cxnSp>
+      <p:cxnSp>
+        <p:nvCxnSpPr>
+          <p:cNvPr id="36" name="Straight Connector 35">
+            <a:extLst>
+              <a:ext uri="{FF2B5EF4-FFF2-40B4-BE49-F238E27FC236}">
+                <a16:creationId xmlns:a16="http://schemas.microsoft.com/office/drawing/2014/main" id="{8D76E089-9CBF-40A1-B210-F4D6B9285D1F}"/>
+              </a:ext>
+            </a:extLst>
+          </p:cNvPr>
+          <p:cNvCxnSpPr>
+            <a:cxnSpLocks/>
+            <a:endCxn id="20" idx="1"/>
+          </p:cNvCxnSpPr>
+          <p:nvPr/>
+        </p:nvCxnSpPr>
+        <p:spPr>
+          <a:xfrm>
+            <a:off x="6598762" y="3528107"/>
+            <a:ext cx="791852" cy="416435"/>
+          </a:xfrm>
+          <a:prstGeom prst="line">
+            <a:avLst/>
+          </a:prstGeom>
+        </p:spPr>
+        <p:style>
+          <a:lnRef idx="1">
+            <a:schemeClr val="dk1"/>
+          </a:lnRef>
+          <a:fillRef idx="0">
+            <a:schemeClr val="dk1"/>
+          </a:fillRef>
+          <a:effectRef idx="0">
+            <a:schemeClr val="dk1"/>
+          </a:effectRef>
+          <a:fontRef idx="minor">
+            <a:schemeClr val="tx1"/>
+          </a:fontRef>
+        </p:style>
+      </p:cxnSp>
+      <p:cxnSp>
+        <p:nvCxnSpPr>
+          <p:cNvPr id="40" name="Straight Connector 39">
+            <a:extLst>
+              <a:ext uri="{FF2B5EF4-FFF2-40B4-BE49-F238E27FC236}">
+                <a16:creationId xmlns:a16="http://schemas.microsoft.com/office/drawing/2014/main" id="{9619E736-6E8F-4EF8-A8E1-1872C08275B0}"/>
+              </a:ext>
+            </a:extLst>
+          </p:cNvPr>
+          <p:cNvCxnSpPr>
+            <a:stCxn id="7" idx="6"/>
+          </p:cNvCxnSpPr>
+          <p:nvPr/>
+        </p:nvCxnSpPr>
+        <p:spPr>
+          <a:xfrm flipV="1">
+            <a:off x="6598762" y="4062953"/>
+            <a:ext cx="791852" cy="542293"/>
+          </a:xfrm>
+          <a:prstGeom prst="line">
+            <a:avLst/>
+          </a:prstGeom>
+        </p:spPr>
+        <p:style>
+          <a:lnRef idx="1">
+            <a:schemeClr val="dk1"/>
+          </a:lnRef>
+          <a:fillRef idx="0">
+            <a:schemeClr val="dk1"/>
+          </a:fillRef>
+          <a:effectRef idx="0">
+            <a:schemeClr val="dk1"/>
+          </a:effectRef>
+          <a:fontRef idx="minor">
+            <a:schemeClr val="tx1"/>
+          </a:fontRef>
+        </p:style>
+      </p:cxnSp>
     </p:spTree>
     <p:extLst>
       <p:ext uri="{BB962C8B-B14F-4D97-AF65-F5344CB8AC3E}">
-        <p14:creationId xmlns:p14="http://schemas.microsoft.com/office/powerpoint/2010/main" val="1212246072"/>
+        <p14:creationId xmlns:p14="http://schemas.microsoft.com/office/powerpoint/2010/main" val="40421124"/>
+      </p:ext>
+    </p:extLst>
+  </p:cSld>
+  <p:clrMapOvr>
+    <a:masterClrMapping/>
+  </p:clrMapOvr>
+</p:sld>
+</file>
+
+<file path=ppt/slides/slide9.xml><?xml version="1.0" encoding="utf-8"?>
+<p:sld xmlns:a="http://schemas.openxmlformats.org/drawingml/2006/main" xmlns:r="http://schemas.openxmlformats.org/officeDocument/2006/relationships" xmlns:p="http://schemas.openxmlformats.org/presentationml/2006/main">
+  <p:cSld>
+    <p:spTree>
+      <p:nvGrpSpPr>
+        <p:cNvPr id="1" name=""/>
+        <p:cNvGrpSpPr/>
+        <p:nvPr/>
+      </p:nvGrpSpPr>
+      <p:grpSpPr>
+        <a:xfrm>
+          <a:off x="0" y="0"/>
+          <a:ext cx="0" cy="0"/>
+          <a:chOff x="0" y="0"/>
+          <a:chExt cx="0" cy="0"/>
+        </a:xfrm>
+      </p:grpSpPr>
+      <p:sp>
+        <p:nvSpPr>
+          <p:cNvPr id="2" name="Title 1">
+            <a:extLst>
+              <a:ext uri="{FF2B5EF4-FFF2-40B4-BE49-F238E27FC236}">
+                <a16:creationId xmlns:a16="http://schemas.microsoft.com/office/drawing/2014/main" id="{0E385D31-AFEA-4F49-9E8B-4DAE56077415}"/>
+              </a:ext>
+            </a:extLst>
+          </p:cNvPr>
+          <p:cNvSpPr>
+            <a:spLocks noGrp="1"/>
+          </p:cNvSpPr>
+          <p:nvPr>
+            <p:ph type="title"/>
+          </p:nvPr>
+        </p:nvSpPr>
+        <p:spPr/>
+        <p:txBody>
+          <a:bodyPr/>
+          <a:lstStyle/>
+          <a:p>
+            <a:r>
+              <a:rPr lang="en-US" dirty="0"/>
+              <a:t>Question 3</a:t>
+            </a:r>
+          </a:p>
+        </p:txBody>
+      </p:sp>
+      <p:sp>
+        <p:nvSpPr>
+          <p:cNvPr id="3" name="Content Placeholder 2">
+            <a:extLst>
+              <a:ext uri="{FF2B5EF4-FFF2-40B4-BE49-F238E27FC236}">
+                <a16:creationId xmlns:a16="http://schemas.microsoft.com/office/drawing/2014/main" id="{3B2C6019-0C7F-4B21-9FF1-86DC1437873D}"/>
+              </a:ext>
+            </a:extLst>
+          </p:cNvPr>
+          <p:cNvSpPr>
+            <a:spLocks noGrp="1"/>
+          </p:cNvSpPr>
+          <p:nvPr>
+            <p:ph idx="1"/>
+          </p:nvPr>
+        </p:nvSpPr>
+        <p:spPr/>
+        <p:txBody>
+          <a:bodyPr/>
+          <a:lstStyle/>
+          <a:p>
+            <a:r>
+              <a:rPr lang="en-US" dirty="0"/>
+              <a:t>What is the full name of Obama?</a:t>
+            </a:r>
+          </a:p>
+          <a:p>
+            <a:endParaRPr lang="en-US" dirty="0"/>
+          </a:p>
+        </p:txBody>
+      </p:sp>
+      <p:sp>
+        <p:nvSpPr>
+          <p:cNvPr id="5" name="Rectangle 4">
+            <a:extLst>
+              <a:ext uri="{FF2B5EF4-FFF2-40B4-BE49-F238E27FC236}">
+                <a16:creationId xmlns:a16="http://schemas.microsoft.com/office/drawing/2014/main" id="{522594CD-1870-4E3A-80DE-FE894BC8801D}"/>
+              </a:ext>
+            </a:extLst>
+          </p:cNvPr>
+          <p:cNvSpPr/>
+          <p:nvPr/>
+        </p:nvSpPr>
+        <p:spPr>
+          <a:xfrm>
+            <a:off x="1639740" y="3283838"/>
+            <a:ext cx="914400" cy="914400"/>
+          </a:xfrm>
+          <a:prstGeom prst="rect">
+            <a:avLst/>
+          </a:prstGeom>
+        </p:spPr>
+        <p:style>
+          <a:lnRef idx="2">
+            <a:schemeClr val="accent1">
+              <a:shade val="50000"/>
+            </a:schemeClr>
+          </a:lnRef>
+          <a:fillRef idx="1">
+            <a:schemeClr val="accent1"/>
+          </a:fillRef>
+          <a:effectRef idx="0">
+            <a:schemeClr val="accent1"/>
+          </a:effectRef>
+          <a:fontRef idx="minor">
+            <a:schemeClr val="lt1"/>
+          </a:fontRef>
+        </p:style>
+        <p:txBody>
+          <a:bodyPr rtlCol="0" anchor="ctr"/>
+          <a:lstStyle/>
+          <a:p>
+            <a:pPr algn="ctr"/>
+            <a:r>
+              <a:rPr lang="en-US" dirty="0"/>
+              <a:t>Question</a:t>
+            </a:r>
+          </a:p>
+        </p:txBody>
+      </p:sp>
+      <p:sp>
+        <p:nvSpPr>
+          <p:cNvPr id="7" name="Rectangle 6">
+            <a:extLst>
+              <a:ext uri="{FF2B5EF4-FFF2-40B4-BE49-F238E27FC236}">
+                <a16:creationId xmlns:a16="http://schemas.microsoft.com/office/drawing/2014/main" id="{CCC8DEDB-B917-41D8-9C12-D8A8D2238CAB}"/>
+              </a:ext>
+            </a:extLst>
+          </p:cNvPr>
+          <p:cNvSpPr/>
+          <p:nvPr/>
+        </p:nvSpPr>
+        <p:spPr>
+          <a:xfrm>
+            <a:off x="3243867" y="3283838"/>
+            <a:ext cx="914400" cy="914400"/>
+          </a:xfrm>
+          <a:prstGeom prst="rect">
+            <a:avLst/>
+          </a:prstGeom>
+        </p:spPr>
+        <p:style>
+          <a:lnRef idx="2">
+            <a:schemeClr val="accent1">
+              <a:shade val="50000"/>
+            </a:schemeClr>
+          </a:lnRef>
+          <a:fillRef idx="1">
+            <a:schemeClr val="accent1"/>
+          </a:fillRef>
+          <a:effectRef idx="0">
+            <a:schemeClr val="accent1"/>
+          </a:effectRef>
+          <a:fontRef idx="minor">
+            <a:schemeClr val="lt1"/>
+          </a:fontRef>
+        </p:style>
+        <p:txBody>
+          <a:bodyPr rtlCol="0" anchor="ctr"/>
+          <a:lstStyle/>
+          <a:p>
+            <a:pPr algn="ctr"/>
+            <a:r>
+              <a:rPr lang="en-US" dirty="0"/>
+              <a:t>NLP</a:t>
+            </a:r>
+          </a:p>
+          <a:p>
+            <a:pPr algn="ctr"/>
+            <a:r>
+              <a:rPr lang="en-US" dirty="0"/>
+              <a:t>(NER)</a:t>
+            </a:r>
+          </a:p>
+        </p:txBody>
+      </p:sp>
+      <p:sp>
+        <p:nvSpPr>
+          <p:cNvPr id="8" name="Rectangle 7">
+            <a:extLst>
+              <a:ext uri="{FF2B5EF4-FFF2-40B4-BE49-F238E27FC236}">
+                <a16:creationId xmlns:a16="http://schemas.microsoft.com/office/drawing/2014/main" id="{F774E3BA-4D3D-4C70-BA28-95B5C71A0C5B}"/>
+              </a:ext>
+            </a:extLst>
+          </p:cNvPr>
+          <p:cNvSpPr/>
+          <p:nvPr/>
+        </p:nvSpPr>
+        <p:spPr>
+          <a:xfrm>
+            <a:off x="4847993" y="2894030"/>
+            <a:ext cx="1684781" cy="1489434"/>
+          </a:xfrm>
+          <a:prstGeom prst="rect">
+            <a:avLst/>
+          </a:prstGeom>
+        </p:spPr>
+        <p:style>
+          <a:lnRef idx="2">
+            <a:schemeClr val="accent1">
+              <a:shade val="50000"/>
+            </a:schemeClr>
+          </a:lnRef>
+          <a:fillRef idx="1">
+            <a:schemeClr val="accent1"/>
+          </a:fillRef>
+          <a:effectRef idx="0">
+            <a:schemeClr val="accent1"/>
+          </a:effectRef>
+          <a:fontRef idx="minor">
+            <a:schemeClr val="lt1"/>
+          </a:fontRef>
+        </p:style>
+        <p:txBody>
+          <a:bodyPr rtlCol="0" anchor="ctr"/>
+          <a:lstStyle/>
+          <a:p>
+            <a:pPr algn="ctr"/>
+            <a:r>
+              <a:rPr lang="en-US" dirty="0" err="1"/>
+              <a:t>Ngram</a:t>
+            </a:r>
+            <a:r>
+              <a:rPr lang="en-US" dirty="0"/>
+              <a:t> on dataset&amp; </a:t>
+            </a:r>
+            <a:r>
+              <a:rPr lang="en-US" dirty="0" err="1"/>
+              <a:t>split&amp;check</a:t>
+            </a:r>
+            <a:r>
+              <a:rPr lang="en-US" dirty="0"/>
+              <a:t> for NER(1,2,3,4)</a:t>
+            </a:r>
+          </a:p>
+        </p:txBody>
+      </p:sp>
+      <p:sp>
+        <p:nvSpPr>
+          <p:cNvPr id="10" name="Rectangle: Rounded Corners 9">
+            <a:extLst>
+              <a:ext uri="{FF2B5EF4-FFF2-40B4-BE49-F238E27FC236}">
+                <a16:creationId xmlns:a16="http://schemas.microsoft.com/office/drawing/2014/main" id="{34BE123C-308B-4928-ACAD-30866D7EF8C7}"/>
+              </a:ext>
+            </a:extLst>
+          </p:cNvPr>
+          <p:cNvSpPr/>
+          <p:nvPr/>
+        </p:nvSpPr>
+        <p:spPr>
+          <a:xfrm>
+            <a:off x="7381187" y="2978043"/>
+            <a:ext cx="2300141" cy="1321407"/>
+          </a:xfrm>
+          <a:prstGeom prst="roundRect">
+            <a:avLst/>
+          </a:prstGeom>
+        </p:spPr>
+        <p:style>
+          <a:lnRef idx="2">
+            <a:schemeClr val="accent1">
+              <a:shade val="50000"/>
+            </a:schemeClr>
+          </a:lnRef>
+          <a:fillRef idx="1">
+            <a:schemeClr val="accent1"/>
+          </a:fillRef>
+          <a:effectRef idx="0">
+            <a:schemeClr val="accent1"/>
+          </a:effectRef>
+          <a:fontRef idx="minor">
+            <a:schemeClr val="lt1"/>
+          </a:fontRef>
+        </p:style>
+        <p:txBody>
+          <a:bodyPr rtlCol="0" anchor="ctr"/>
+          <a:lstStyle/>
+          <a:p>
+            <a:pPr algn="ctr"/>
+            <a:r>
+              <a:rPr lang="en-US" dirty="0"/>
+              <a:t>Answer</a:t>
+            </a:r>
+          </a:p>
+        </p:txBody>
+      </p:sp>
+      <p:cxnSp>
+        <p:nvCxnSpPr>
+          <p:cNvPr id="12" name="Straight Connector 11">
+            <a:extLst>
+              <a:ext uri="{FF2B5EF4-FFF2-40B4-BE49-F238E27FC236}">
+                <a16:creationId xmlns:a16="http://schemas.microsoft.com/office/drawing/2014/main" id="{603E9B91-B091-4F3D-A535-A1324C32323E}"/>
+              </a:ext>
+            </a:extLst>
+          </p:cNvPr>
+          <p:cNvCxnSpPr>
+            <a:stCxn id="5" idx="3"/>
+            <a:endCxn id="7" idx="1"/>
+          </p:cNvCxnSpPr>
+          <p:nvPr/>
+        </p:nvCxnSpPr>
+        <p:spPr>
+          <a:xfrm>
+            <a:off x="2554140" y="3741038"/>
+            <a:ext cx="689727" cy="0"/>
+          </a:xfrm>
+          <a:prstGeom prst="line">
+            <a:avLst/>
+          </a:prstGeom>
+        </p:spPr>
+        <p:style>
+          <a:lnRef idx="1">
+            <a:schemeClr val="dk1"/>
+          </a:lnRef>
+          <a:fillRef idx="0">
+            <a:schemeClr val="dk1"/>
+          </a:fillRef>
+          <a:effectRef idx="0">
+            <a:schemeClr val="dk1"/>
+          </a:effectRef>
+          <a:fontRef idx="minor">
+            <a:schemeClr val="tx1"/>
+          </a:fontRef>
+        </p:style>
+      </p:cxnSp>
+      <p:cxnSp>
+        <p:nvCxnSpPr>
+          <p:cNvPr id="14" name="Straight Connector 13">
+            <a:extLst>
+              <a:ext uri="{FF2B5EF4-FFF2-40B4-BE49-F238E27FC236}">
+                <a16:creationId xmlns:a16="http://schemas.microsoft.com/office/drawing/2014/main" id="{5D223D15-B203-4620-9F26-C74F73B4EEA4}"/>
+              </a:ext>
+            </a:extLst>
+          </p:cNvPr>
+          <p:cNvCxnSpPr>
+            <a:stCxn id="7" idx="3"/>
+          </p:cNvCxnSpPr>
+          <p:nvPr/>
+        </p:nvCxnSpPr>
+        <p:spPr>
+          <a:xfrm>
+            <a:off x="4158267" y="3741038"/>
+            <a:ext cx="689726" cy="0"/>
+          </a:xfrm>
+          <a:prstGeom prst="line">
+            <a:avLst/>
+          </a:prstGeom>
+        </p:spPr>
+        <p:style>
+          <a:lnRef idx="1">
+            <a:schemeClr val="dk1"/>
+          </a:lnRef>
+          <a:fillRef idx="0">
+            <a:schemeClr val="dk1"/>
+          </a:fillRef>
+          <a:effectRef idx="0">
+            <a:schemeClr val="dk1"/>
+          </a:effectRef>
+          <a:fontRef idx="minor">
+            <a:schemeClr val="tx1"/>
+          </a:fontRef>
+        </p:style>
+      </p:cxnSp>
+      <p:cxnSp>
+        <p:nvCxnSpPr>
+          <p:cNvPr id="16" name="Straight Connector 15">
+            <a:extLst>
+              <a:ext uri="{FF2B5EF4-FFF2-40B4-BE49-F238E27FC236}">
+                <a16:creationId xmlns:a16="http://schemas.microsoft.com/office/drawing/2014/main" id="{B8CC1049-991A-499E-B3E2-D234846F79A1}"/>
+              </a:ext>
+            </a:extLst>
+          </p:cNvPr>
+          <p:cNvCxnSpPr>
+            <a:cxnSpLocks/>
+            <a:stCxn id="8" idx="3"/>
+            <a:endCxn id="10" idx="1"/>
+          </p:cNvCxnSpPr>
+          <p:nvPr/>
+        </p:nvCxnSpPr>
+        <p:spPr>
+          <a:xfrm>
+            <a:off x="6532774" y="3638747"/>
+            <a:ext cx="848413" cy="0"/>
+          </a:xfrm>
+          <a:prstGeom prst="line">
+            <a:avLst/>
+          </a:prstGeom>
+        </p:spPr>
+        <p:style>
+          <a:lnRef idx="1">
+            <a:schemeClr val="dk1"/>
+          </a:lnRef>
+          <a:fillRef idx="0">
+            <a:schemeClr val="dk1"/>
+          </a:fillRef>
+          <a:effectRef idx="0">
+            <a:schemeClr val="dk1"/>
+          </a:effectRef>
+          <a:fontRef idx="minor">
+            <a:schemeClr val="tx1"/>
+          </a:fontRef>
+        </p:style>
+      </p:cxnSp>
+    </p:spTree>
+    <p:extLst>
+      <p:ext uri="{BB962C8B-B14F-4D97-AF65-F5344CB8AC3E}">
+        <p14:creationId xmlns:p14="http://schemas.microsoft.com/office/powerpoint/2010/main" val="1036758206"/>
       </p:ext>
     </p:extLst>
   </p:cSld>

--- a/Project/Source/Intelligent QA SYSTEM.pptx
+++ b/Project/Source/Intelligent QA SYSTEM.pptx
@@ -16,7 +16,11 @@
     <p:sldId id="265" r:id="rId10"/>
     <p:sldId id="263" r:id="rId11"/>
     <p:sldId id="266" r:id="rId12"/>
-    <p:sldId id="267" r:id="rId13"/>
+    <p:sldId id="268" r:id="rId13"/>
+    <p:sldId id="270" r:id="rId14"/>
+    <p:sldId id="269" r:id="rId15"/>
+    <p:sldId id="271" r:id="rId16"/>
+    <p:sldId id="267" r:id="rId17"/>
   </p:sldIdLst>
   <p:sldSz cx="12192000" cy="6858000"/>
   <p:notesSz cx="6858000" cy="9144000"/>
@@ -134,6 +138,10 @@
 </p:presentation>
 </file>
 
+<file path=ppt/revisionInfo.xml><?xml version="1.0" encoding="utf-8"?>
+<p1510:revInfo xmlns:a="http://schemas.openxmlformats.org/drawingml/2006/main" xmlns:r="http://schemas.openxmlformats.org/officeDocument/2006/relationships" xmlns:p1510="http://schemas.microsoft.com/office/powerpoint/2015/10/main"/>
+</file>
+
 <file path=ppt/slideLayouts/slideLayout1.xml><?xml version="1.0" encoding="utf-8"?>
 <p:sldLayout xmlns:a="http://schemas.openxmlformats.org/drawingml/2006/main" xmlns:r="http://schemas.openxmlformats.org/officeDocument/2006/relationships" xmlns:p="http://schemas.openxmlformats.org/presentationml/2006/main" type="title" preserve="1">
   <p:cSld name="Title Slide">
@@ -273,7 +281,7 @@
           <a:p>
             <a:fld id="{48A87A34-81AB-432B-8DAE-1953F412C126}" type="datetimeFigureOut">
               <a:rPr lang="en-US" dirty="0"/>
-              <a:t>7/25/2017</a:t>
+              <a:t>7/26/2017</a:t>
             </a:fld>
             <a:endParaRPr lang="en-US" dirty="0"/>
           </a:p>
@@ -479,7 +487,7 @@
           <a:p>
             <a:fld id="{48A87A34-81AB-432B-8DAE-1953F412C126}" type="datetimeFigureOut">
               <a:rPr lang="en-US" dirty="0"/>
-              <a:t>7/25/2017</a:t>
+              <a:t>7/26/2017</a:t>
             </a:fld>
             <a:endParaRPr lang="en-US" dirty="0"/>
           </a:p>
@@ -689,7 +697,7 @@
           <a:p>
             <a:fld id="{48A87A34-81AB-432B-8DAE-1953F412C126}" type="datetimeFigureOut">
               <a:rPr lang="en-US" dirty="0"/>
-              <a:t>7/25/2017</a:t>
+              <a:t>7/26/2017</a:t>
             </a:fld>
             <a:endParaRPr lang="en-US" dirty="0"/>
           </a:p>
@@ -885,7 +893,7 @@
           <a:p>
             <a:fld id="{48A87A34-81AB-432B-8DAE-1953F412C126}" type="datetimeFigureOut">
               <a:rPr lang="en-US" dirty="0"/>
-              <a:t>7/25/2017</a:t>
+              <a:t>7/26/2017</a:t>
             </a:fld>
             <a:endParaRPr lang="en-US" dirty="0"/>
           </a:p>
@@ -1159,7 +1167,7 @@
           <a:p>
             <a:fld id="{48A87A34-81AB-432B-8DAE-1953F412C126}" type="datetimeFigureOut">
               <a:rPr lang="en-US" dirty="0"/>
-              <a:t>7/25/2017</a:t>
+              <a:t>7/26/2017</a:t>
             </a:fld>
             <a:endParaRPr lang="en-US" dirty="0"/>
           </a:p>
@@ -1422,7 +1430,7 @@
           <a:p>
             <a:fld id="{48A87A34-81AB-432B-8DAE-1953F412C126}" type="datetimeFigureOut">
               <a:rPr lang="en-US" dirty="0"/>
-              <a:t>7/25/2017</a:t>
+              <a:t>7/26/2017</a:t>
             </a:fld>
             <a:endParaRPr lang="en-US" dirty="0"/>
           </a:p>
@@ -1833,7 +1841,7 @@
           <a:p>
             <a:fld id="{48A87A34-81AB-432B-8DAE-1953F412C126}" type="datetimeFigureOut">
               <a:rPr lang="en-US" dirty="0"/>
-              <a:t>7/25/2017</a:t>
+              <a:t>7/26/2017</a:t>
             </a:fld>
             <a:endParaRPr lang="en-US" dirty="0"/>
           </a:p>
@@ -1977,7 +1985,7 @@
           <a:p>
             <a:fld id="{48A87A34-81AB-432B-8DAE-1953F412C126}" type="datetimeFigureOut">
               <a:rPr lang="en-US" dirty="0"/>
-              <a:t>7/25/2017</a:t>
+              <a:t>7/26/2017</a:t>
             </a:fld>
             <a:endParaRPr lang="en-US" dirty="0"/>
           </a:p>
@@ -2098,7 +2106,7 @@
           <a:p>
             <a:fld id="{48A87A34-81AB-432B-8DAE-1953F412C126}" type="datetimeFigureOut">
               <a:rPr lang="en-US" dirty="0"/>
-              <a:t>7/25/2017</a:t>
+              <a:t>7/26/2017</a:t>
             </a:fld>
             <a:endParaRPr lang="en-US" dirty="0"/>
           </a:p>
@@ -2344,7 +2352,7 @@
           <a:p>
             <a:fld id="{48A87A34-81AB-432B-8DAE-1953F412C126}" type="datetimeFigureOut">
               <a:rPr lang="en-US" dirty="0"/>
-              <a:t>7/25/2017</a:t>
+              <a:t>7/26/2017</a:t>
             </a:fld>
             <a:endParaRPr lang="en-US" dirty="0"/>
           </a:p>
@@ -2785,7 +2793,7 @@
             <a:fld id="{48A87A34-81AB-432B-8DAE-1953F412C126}" type="datetimeFigureOut">
               <a:rPr lang="en-US" dirty="0"/>
               <a:pPr/>
-              <a:t>7/25/2017</a:t>
+              <a:t>7/26/2017</a:t>
             </a:fld>
             <a:endParaRPr lang="en-US" dirty="0"/>
           </a:p>
@@ -3107,7 +3115,7 @@
             <a:fld id="{48A87A34-81AB-432B-8DAE-1953F412C126}" type="datetimeFigureOut">
               <a:rPr lang="en-US" dirty="0"/>
               <a:pPr/>
-              <a:t>7/25/2017</a:t>
+              <a:t>7/26/2017</a:t>
             </a:fld>
             <a:endParaRPr lang="en-US" dirty="0"/>
           </a:p>
@@ -4718,6 +4726,479 @@
           <p:cNvPr id="2" name="Title 1">
             <a:extLst>
               <a:ext uri="{FF2B5EF4-FFF2-40B4-BE49-F238E27FC236}">
+                <a16:creationId xmlns:a16="http://schemas.microsoft.com/office/drawing/2014/main" id="{3E2E2FFE-5EBD-4F68-B270-8DEF17716241}"/>
+              </a:ext>
+            </a:extLst>
+          </p:cNvPr>
+          <p:cNvSpPr>
+            <a:spLocks noGrp="1"/>
+          </p:cNvSpPr>
+          <p:nvPr>
+            <p:ph type="title"/>
+          </p:nvPr>
+        </p:nvSpPr>
+        <p:spPr>
+          <a:xfrm>
+            <a:off x="1451579" y="804519"/>
+            <a:ext cx="9603275" cy="1049235"/>
+          </a:xfrm>
+        </p:spPr>
+        <p:txBody>
+          <a:bodyPr/>
+          <a:lstStyle/>
+          <a:p>
+            <a:r>
+              <a:rPr lang="en-US" dirty="0"/>
+              <a:t>SPARQL QUERIES</a:t>
+            </a:r>
+          </a:p>
+        </p:txBody>
+      </p:sp>
+      <p:pic>
+        <p:nvPicPr>
+          <p:cNvPr id="31" name="Picture 30" descr="A screenshot of a cell phone&#10;&#10;Description generated with very high confidence">
+            <a:extLst>
+              <a:ext uri="{FF2B5EF4-FFF2-40B4-BE49-F238E27FC236}">
+                <a16:creationId xmlns:a16="http://schemas.microsoft.com/office/drawing/2014/main" id="{993BEFFB-D882-4B2B-9875-22E154D4A16A}"/>
+              </a:ext>
+            </a:extLst>
+          </p:cNvPr>
+          <p:cNvPicPr>
+            <a:picLocks noChangeAspect="1"/>
+          </p:cNvPicPr>
+          <p:nvPr/>
+        </p:nvPicPr>
+        <p:blipFill>
+          <a:blip r:embed="rId2"/>
+          <a:stretch>
+            <a:fillRect/>
+          </a:stretch>
+        </p:blipFill>
+        <p:spPr>
+          <a:xfrm>
+            <a:off x="1451579" y="2097405"/>
+            <a:ext cx="4695221" cy="3449638"/>
+          </a:xfrm>
+          <a:prstGeom prst="rect">
+            <a:avLst/>
+          </a:prstGeom>
+        </p:spPr>
+      </p:pic>
+      <p:pic>
+        <p:nvPicPr>
+          <p:cNvPr id="39" name="Content Placeholder 38" descr="A screenshot of a cell phone&#10;&#10;Description generated with very high confidence">
+            <a:extLst>
+              <a:ext uri="{FF2B5EF4-FFF2-40B4-BE49-F238E27FC236}">
+                <a16:creationId xmlns:a16="http://schemas.microsoft.com/office/drawing/2014/main" id="{EEF86B41-B4D9-47B2-9949-F2A9E18FBDD4}"/>
+              </a:ext>
+            </a:extLst>
+          </p:cNvPr>
+          <p:cNvPicPr>
+            <a:picLocks noGrp="1" noChangeAspect="1"/>
+          </p:cNvPicPr>
+          <p:nvPr>
+            <p:ph idx="1"/>
+          </p:nvPr>
+        </p:nvPicPr>
+        <p:blipFill>
+          <a:blip r:embed="rId3"/>
+          <a:stretch>
+            <a:fillRect/>
+          </a:stretch>
+        </p:blipFill>
+        <p:spPr>
+          <a:xfrm>
+            <a:off x="6431280" y="2097405"/>
+            <a:ext cx="4623574" cy="3449638"/>
+          </a:xfrm>
+        </p:spPr>
+      </p:pic>
+    </p:spTree>
+    <p:extLst>
+      <p:ext uri="{BB962C8B-B14F-4D97-AF65-F5344CB8AC3E}">
+        <p14:creationId xmlns:p14="http://schemas.microsoft.com/office/powerpoint/2010/main" val="3981530182"/>
+      </p:ext>
+    </p:extLst>
+  </p:cSld>
+  <p:clrMapOvr>
+    <a:masterClrMapping/>
+  </p:clrMapOvr>
+</p:sld>
+</file>
+
+<file path=ppt/slides/slide13.xml><?xml version="1.0" encoding="utf-8"?>
+<p:sld xmlns:a="http://schemas.openxmlformats.org/drawingml/2006/main" xmlns:r="http://schemas.openxmlformats.org/officeDocument/2006/relationships" xmlns:p="http://schemas.openxmlformats.org/presentationml/2006/main">
+  <p:cSld>
+    <p:spTree>
+      <p:nvGrpSpPr>
+        <p:cNvPr id="1" name=""/>
+        <p:cNvGrpSpPr/>
+        <p:nvPr/>
+      </p:nvGrpSpPr>
+      <p:grpSpPr>
+        <a:xfrm>
+          <a:off x="0" y="0"/>
+          <a:ext cx="0" cy="0"/>
+          <a:chOff x="0" y="0"/>
+          <a:chExt cx="0" cy="0"/>
+        </a:xfrm>
+      </p:grpSpPr>
+      <p:sp>
+        <p:nvSpPr>
+          <p:cNvPr id="2" name="Title 1">
+            <a:extLst>
+              <a:ext uri="{FF2B5EF4-FFF2-40B4-BE49-F238E27FC236}">
+                <a16:creationId xmlns:a16="http://schemas.microsoft.com/office/drawing/2014/main" id="{0014D9B2-4019-40CD-B9EA-085BB6197E5D}"/>
+              </a:ext>
+            </a:extLst>
+          </p:cNvPr>
+          <p:cNvSpPr>
+            <a:spLocks noGrp="1"/>
+          </p:cNvSpPr>
+          <p:nvPr>
+            <p:ph type="title"/>
+          </p:nvPr>
+        </p:nvSpPr>
+        <p:spPr/>
+        <p:txBody>
+          <a:bodyPr/>
+          <a:lstStyle/>
+          <a:p>
+            <a:r>
+              <a:rPr lang="en-US" dirty="0"/>
+              <a:t>SPARQL QUERIES</a:t>
+            </a:r>
+          </a:p>
+        </p:txBody>
+      </p:sp>
+      <p:pic>
+        <p:nvPicPr>
+          <p:cNvPr id="5" name="Content Placeholder 4" descr="A screenshot of a cell phone&#10;&#10;Description generated with very high confidence">
+            <a:extLst>
+              <a:ext uri="{FF2B5EF4-FFF2-40B4-BE49-F238E27FC236}">
+                <a16:creationId xmlns:a16="http://schemas.microsoft.com/office/drawing/2014/main" id="{2674CF3B-925D-49E9-8750-620907349149}"/>
+              </a:ext>
+            </a:extLst>
+          </p:cNvPr>
+          <p:cNvPicPr>
+            <a:picLocks noGrp="1" noChangeAspect="1"/>
+          </p:cNvPicPr>
+          <p:nvPr>
+            <p:ph idx="1"/>
+          </p:nvPr>
+        </p:nvPicPr>
+        <p:blipFill>
+          <a:blip r:embed="rId2"/>
+          <a:stretch>
+            <a:fillRect/>
+          </a:stretch>
+        </p:blipFill>
+        <p:spPr>
+          <a:xfrm>
+            <a:off x="6657249" y="2090618"/>
+            <a:ext cx="4397605" cy="3449638"/>
+          </a:xfrm>
+        </p:spPr>
+      </p:pic>
+      <p:pic>
+        <p:nvPicPr>
+          <p:cNvPr id="7" name="Picture 6" descr="A screenshot of a cell phone&#10;&#10;Description generated with very high confidence">
+            <a:extLst>
+              <a:ext uri="{FF2B5EF4-FFF2-40B4-BE49-F238E27FC236}">
+                <a16:creationId xmlns:a16="http://schemas.microsoft.com/office/drawing/2014/main" id="{C74CF052-3D33-41C8-8D32-DCACF1BDE520}"/>
+              </a:ext>
+            </a:extLst>
+          </p:cNvPr>
+          <p:cNvPicPr>
+            <a:picLocks noChangeAspect="1"/>
+          </p:cNvPicPr>
+          <p:nvPr/>
+        </p:nvPicPr>
+        <p:blipFill>
+          <a:blip r:embed="rId3"/>
+          <a:stretch>
+            <a:fillRect/>
+          </a:stretch>
+        </p:blipFill>
+        <p:spPr>
+          <a:xfrm>
+            <a:off x="1451578" y="2090618"/>
+            <a:ext cx="4521839" cy="3449638"/>
+          </a:xfrm>
+          <a:prstGeom prst="rect">
+            <a:avLst/>
+          </a:prstGeom>
+        </p:spPr>
+      </p:pic>
+    </p:spTree>
+    <p:extLst>
+      <p:ext uri="{BB962C8B-B14F-4D97-AF65-F5344CB8AC3E}">
+        <p14:creationId xmlns:p14="http://schemas.microsoft.com/office/powerpoint/2010/main" val="4078231402"/>
+      </p:ext>
+    </p:extLst>
+  </p:cSld>
+  <p:clrMapOvr>
+    <a:masterClrMapping/>
+  </p:clrMapOvr>
+</p:sld>
+</file>
+
+<file path=ppt/slides/slide14.xml><?xml version="1.0" encoding="utf-8"?>
+<p:sld xmlns:a="http://schemas.openxmlformats.org/drawingml/2006/main" xmlns:r="http://schemas.openxmlformats.org/officeDocument/2006/relationships" xmlns:p="http://schemas.openxmlformats.org/presentationml/2006/main">
+  <p:cSld>
+    <p:spTree>
+      <p:nvGrpSpPr>
+        <p:cNvPr id="1" name=""/>
+        <p:cNvGrpSpPr/>
+        <p:nvPr/>
+      </p:nvGrpSpPr>
+      <p:grpSpPr>
+        <a:xfrm>
+          <a:off x="0" y="0"/>
+          <a:ext cx="0" cy="0"/>
+          <a:chOff x="0" y="0"/>
+          <a:chExt cx="0" cy="0"/>
+        </a:xfrm>
+      </p:grpSpPr>
+      <p:sp>
+        <p:nvSpPr>
+          <p:cNvPr id="2" name="Title 1">
+            <a:extLst>
+              <a:ext uri="{FF2B5EF4-FFF2-40B4-BE49-F238E27FC236}">
+                <a16:creationId xmlns:a16="http://schemas.microsoft.com/office/drawing/2014/main" id="{52266549-5BBE-40E7-B68C-1D4BE2128344}"/>
+              </a:ext>
+            </a:extLst>
+          </p:cNvPr>
+          <p:cNvSpPr>
+            <a:spLocks noGrp="1"/>
+          </p:cNvSpPr>
+          <p:nvPr>
+            <p:ph type="title"/>
+          </p:nvPr>
+        </p:nvSpPr>
+        <p:spPr/>
+        <p:txBody>
+          <a:bodyPr/>
+          <a:lstStyle/>
+          <a:p>
+            <a:r>
+              <a:rPr lang="en-US" dirty="0"/>
+              <a:t>DL QUERIES</a:t>
+            </a:r>
+          </a:p>
+        </p:txBody>
+      </p:sp>
+      <p:pic>
+        <p:nvPicPr>
+          <p:cNvPr id="5" name="Content Placeholder 4" descr="A screenshot of a cell phone&#10;&#10;Description generated with very high confidence">
+            <a:extLst>
+              <a:ext uri="{FF2B5EF4-FFF2-40B4-BE49-F238E27FC236}">
+                <a16:creationId xmlns:a16="http://schemas.microsoft.com/office/drawing/2014/main" id="{EE4A5A89-3F87-49F7-BFAF-02C072D97BDA}"/>
+              </a:ext>
+            </a:extLst>
+          </p:cNvPr>
+          <p:cNvPicPr>
+            <a:picLocks noGrp="1" noChangeAspect="1"/>
+          </p:cNvPicPr>
+          <p:nvPr>
+            <p:ph idx="1"/>
+          </p:nvPr>
+        </p:nvPicPr>
+        <p:blipFill>
+          <a:blip r:embed="rId2"/>
+          <a:stretch>
+            <a:fillRect/>
+          </a:stretch>
+        </p:blipFill>
+        <p:spPr>
+          <a:xfrm>
+            <a:off x="1451578" y="2353076"/>
+            <a:ext cx="3923062" cy="2851150"/>
+          </a:xfrm>
+        </p:spPr>
+      </p:pic>
+      <p:pic>
+        <p:nvPicPr>
+          <p:cNvPr id="7" name="Picture 6" descr="A screenshot of a cell phone&#10;&#10;Description generated with very high confidence">
+            <a:extLst>
+              <a:ext uri="{FF2B5EF4-FFF2-40B4-BE49-F238E27FC236}">
+                <a16:creationId xmlns:a16="http://schemas.microsoft.com/office/drawing/2014/main" id="{0BD46804-F0C6-4014-945F-D652B5D963A4}"/>
+              </a:ext>
+            </a:extLst>
+          </p:cNvPr>
+          <p:cNvPicPr>
+            <a:picLocks noChangeAspect="1"/>
+          </p:cNvPicPr>
+          <p:nvPr/>
+        </p:nvPicPr>
+        <p:blipFill>
+          <a:blip r:embed="rId3"/>
+          <a:stretch>
+            <a:fillRect/>
+          </a:stretch>
+        </p:blipFill>
+        <p:spPr>
+          <a:xfrm>
+            <a:off x="6774814" y="2353076"/>
+            <a:ext cx="4280039" cy="2851150"/>
+          </a:xfrm>
+          <a:prstGeom prst="rect">
+            <a:avLst/>
+          </a:prstGeom>
+        </p:spPr>
+      </p:pic>
+    </p:spTree>
+    <p:extLst>
+      <p:ext uri="{BB962C8B-B14F-4D97-AF65-F5344CB8AC3E}">
+        <p14:creationId xmlns:p14="http://schemas.microsoft.com/office/powerpoint/2010/main" val="2248545693"/>
+      </p:ext>
+    </p:extLst>
+  </p:cSld>
+  <p:clrMapOvr>
+    <a:masterClrMapping/>
+  </p:clrMapOvr>
+</p:sld>
+</file>
+
+<file path=ppt/slides/slide15.xml><?xml version="1.0" encoding="utf-8"?>
+<p:sld xmlns:a="http://schemas.openxmlformats.org/drawingml/2006/main" xmlns:r="http://schemas.openxmlformats.org/officeDocument/2006/relationships" xmlns:p="http://schemas.openxmlformats.org/presentationml/2006/main">
+  <p:cSld>
+    <p:spTree>
+      <p:nvGrpSpPr>
+        <p:cNvPr id="1" name=""/>
+        <p:cNvGrpSpPr/>
+        <p:nvPr/>
+      </p:nvGrpSpPr>
+      <p:grpSpPr>
+        <a:xfrm>
+          <a:off x="0" y="0"/>
+          <a:ext cx="0" cy="0"/>
+          <a:chOff x="0" y="0"/>
+          <a:chExt cx="0" cy="0"/>
+        </a:xfrm>
+      </p:grpSpPr>
+      <p:sp>
+        <p:nvSpPr>
+          <p:cNvPr id="2" name="Title 1">
+            <a:extLst>
+              <a:ext uri="{FF2B5EF4-FFF2-40B4-BE49-F238E27FC236}">
+                <a16:creationId xmlns:a16="http://schemas.microsoft.com/office/drawing/2014/main" id="{78CD44D2-5B58-442D-B0E6-3E6CE52D434C}"/>
+              </a:ext>
+            </a:extLst>
+          </p:cNvPr>
+          <p:cNvSpPr>
+            <a:spLocks noGrp="1"/>
+          </p:cNvSpPr>
+          <p:nvPr>
+            <p:ph type="title"/>
+          </p:nvPr>
+        </p:nvSpPr>
+        <p:spPr/>
+        <p:txBody>
+          <a:bodyPr/>
+          <a:lstStyle/>
+          <a:p>
+            <a:r>
+              <a:rPr lang="en-US" dirty="0"/>
+              <a:t>DL QUERIES</a:t>
+            </a:r>
+          </a:p>
+        </p:txBody>
+      </p:sp>
+      <p:pic>
+        <p:nvPicPr>
+          <p:cNvPr id="11" name="Content Placeholder 10" descr="A screenshot of a cell phone&#10;&#10;Description generated with very high confidence">
+            <a:extLst>
+              <a:ext uri="{FF2B5EF4-FFF2-40B4-BE49-F238E27FC236}">
+                <a16:creationId xmlns:a16="http://schemas.microsoft.com/office/drawing/2014/main" id="{40306169-757E-4771-B51A-437B1362119E}"/>
+              </a:ext>
+            </a:extLst>
+          </p:cNvPr>
+          <p:cNvPicPr>
+            <a:picLocks noGrp="1" noChangeAspect="1"/>
+          </p:cNvPicPr>
+          <p:nvPr>
+            <p:ph idx="1"/>
+          </p:nvPr>
+        </p:nvPicPr>
+        <p:blipFill>
+          <a:blip r:embed="rId2"/>
+          <a:stretch>
+            <a:fillRect/>
+          </a:stretch>
+        </p:blipFill>
+        <p:spPr>
+          <a:xfrm>
+            <a:off x="1451578" y="2319133"/>
+            <a:ext cx="3658901" cy="2933700"/>
+          </a:xfrm>
+        </p:spPr>
+      </p:pic>
+      <p:pic>
+        <p:nvPicPr>
+          <p:cNvPr id="13" name="Picture 12" descr="A screenshot of a cell phone&#10;&#10;Description generated with very high confidence">
+            <a:extLst>
+              <a:ext uri="{FF2B5EF4-FFF2-40B4-BE49-F238E27FC236}">
+                <a16:creationId xmlns:a16="http://schemas.microsoft.com/office/drawing/2014/main" id="{72FD6F55-CF17-4849-A58A-AEF74A4404A3}"/>
+              </a:ext>
+            </a:extLst>
+          </p:cNvPr>
+          <p:cNvPicPr>
+            <a:picLocks noChangeAspect="1"/>
+          </p:cNvPicPr>
+          <p:nvPr/>
+        </p:nvPicPr>
+        <p:blipFill>
+          <a:blip r:embed="rId3"/>
+          <a:stretch>
+            <a:fillRect/>
+          </a:stretch>
+        </p:blipFill>
+        <p:spPr>
+          <a:xfrm>
+            <a:off x="6969760" y="2319133"/>
+            <a:ext cx="4085094" cy="2933699"/>
+          </a:xfrm>
+          <a:prstGeom prst="rect">
+            <a:avLst/>
+          </a:prstGeom>
+        </p:spPr>
+      </p:pic>
+    </p:spTree>
+    <p:extLst>
+      <p:ext uri="{BB962C8B-B14F-4D97-AF65-F5344CB8AC3E}">
+        <p14:creationId xmlns:p14="http://schemas.microsoft.com/office/powerpoint/2010/main" val="4061596531"/>
+      </p:ext>
+    </p:extLst>
+  </p:cSld>
+  <p:clrMapOvr>
+    <a:masterClrMapping/>
+  </p:clrMapOvr>
+</p:sld>
+</file>
+
+<file path=ppt/slides/slide16.xml><?xml version="1.0" encoding="utf-8"?>
+<p:sld xmlns:a="http://schemas.openxmlformats.org/drawingml/2006/main" xmlns:r="http://schemas.openxmlformats.org/officeDocument/2006/relationships" xmlns:p="http://schemas.openxmlformats.org/presentationml/2006/main">
+  <p:cSld>
+    <p:spTree>
+      <p:nvGrpSpPr>
+        <p:cNvPr id="1" name=""/>
+        <p:cNvGrpSpPr/>
+        <p:nvPr/>
+      </p:nvGrpSpPr>
+      <p:grpSpPr>
+        <a:xfrm>
+          <a:off x="0" y="0"/>
+          <a:ext cx="0" cy="0"/>
+          <a:chOff x="0" y="0"/>
+          <a:chExt cx="0" cy="0"/>
+        </a:xfrm>
+      </p:grpSpPr>
+      <p:sp>
+        <p:nvSpPr>
+          <p:cNvPr id="2" name="Title 1">
+            <a:extLst>
+              <a:ext uri="{FF2B5EF4-FFF2-40B4-BE49-F238E27FC236}">
                 <a16:creationId xmlns:a16="http://schemas.microsoft.com/office/drawing/2014/main" id="{DA47764D-323C-421D-8CE7-CD78D52B9744}"/>
               </a:ext>
             </a:extLst>
